--- a/Slides/04. Modularidade e Funções.pptx
+++ b/Slides/04. Modularidade e Funções.pptx
@@ -155,19 +155,13 @@
 <file path=ppt/revisionInfo.xml><?xml version="1.0" encoding="utf-8"?>
 <p1510:revInfo xmlns:a="http://schemas.openxmlformats.org/drawingml/2006/main" xmlns:r="http://schemas.openxmlformats.org/officeDocument/2006/relationships" xmlns:p1510="http://schemas.microsoft.com/office/powerpoint/2015/10/main">
   <p1510:revLst>
-    <p1510:client id="{CD2FD3B5-F9EE-478B-AE1F-6D0BBC30E59C}" v="15" dt="2019-09-30T22:02:52.318"/>
+    <p1510:client id="{FEFA611F-2B8A-448F-8F9C-1B20E7321775}" v="17" dt="2021-03-09T07:06:50.162"/>
   </p1510:revLst>
 </p1510:revInfo>
 </file>
 
 <file path=ppt/changesInfos/changesInfo1.xml><?xml version="1.0" encoding="utf-8"?>
 <pc:chgInfo xmlns:a="http://schemas.openxmlformats.org/drawingml/2006/main" xmlns:r="http://schemas.openxmlformats.org/officeDocument/2006/relationships" xmlns:ac="http://schemas.microsoft.com/office/drawing/2013/main/command" xmlns:pc="http://schemas.microsoft.com/office/powerpoint/2013/main/command">
-  <pc:docChgLst>
-    <pc:chgData name="Judson Santiago" userId="ebb108da2f256286" providerId="LiveId" clId="{DF0C2D06-95D5-4DCF-90B2-9B5504E5BAD7}"/>
-  </pc:docChgLst>
-  <pc:docChgLst>
-    <pc:chgData name="Judson Santiago" userId="ebb108da2f256286" providerId="LiveId" clId="{30EDE840-44D4-48F6-A1FC-B469BF16458B}"/>
-  </pc:docChgLst>
   <pc:docChgLst>
     <pc:chgData name="Judson Santiago" userId="ebb108da2f256286" providerId="LiveId" clId="{3F751465-0642-47FD-9AEA-457831C5A10E}"/>
     <pc:docChg chg="undo modSld">
@@ -262,9 +256,6 @@
         </pc:cxnChg>
       </pc:sldChg>
     </pc:docChg>
-  </pc:docChgLst>
-  <pc:docChgLst>
-    <pc:chgData name="Judson Santiago" userId="ebb108da2f256286" providerId="LiveId" clId="{BF0F7641-8EF8-457C-B58A-FAF7F074B7C0}"/>
   </pc:docChgLst>
   <pc:docChgLst>
     <pc:chgData name="Judson Santiago" userId="ebb108da2f256286" providerId="LiveId" clId="{CD2FD3B5-F9EE-478B-AE1F-6D0BBC30E59C}"/>
@@ -798,6 +789,293 @@
       </pc:sldChg>
     </pc:docChg>
   </pc:docChgLst>
+  <pc:docChgLst>
+    <pc:chgData name="Judson Santiago" userId="ebb108da2f256286" providerId="LiveId" clId="{FEFA611F-2B8A-448F-8F9C-1B20E7321775}"/>
+    <pc:docChg chg="undo custSel modSld">
+      <pc:chgData name="Judson Santiago" userId="ebb108da2f256286" providerId="LiveId" clId="{FEFA611F-2B8A-448F-8F9C-1B20E7321775}" dt="2021-03-09T07:13:02.912" v="145" actId="20577"/>
+      <pc:docMkLst>
+        <pc:docMk/>
+      </pc:docMkLst>
+      <pc:sldChg chg="modSp mod">
+        <pc:chgData name="Judson Santiago" userId="ebb108da2f256286" providerId="LiveId" clId="{FEFA611F-2B8A-448F-8F9C-1B20E7321775}" dt="2021-03-09T06:44:24.135" v="16" actId="6549"/>
+        <pc:sldMkLst>
+          <pc:docMk/>
+          <pc:sldMk cId="0" sldId="256"/>
+        </pc:sldMkLst>
+        <pc:spChg chg="mod">
+          <ac:chgData name="Judson Santiago" userId="ebb108da2f256286" providerId="LiveId" clId="{FEFA611F-2B8A-448F-8F9C-1B20E7321775}" dt="2021-03-09T06:44:24.135" v="16" actId="6549"/>
+          <ac:spMkLst>
+            <pc:docMk/>
+            <pc:sldMk cId="0" sldId="256"/>
+            <ac:spMk id="2" creationId="{00000000-0000-0000-0000-000000000000}"/>
+          </ac:spMkLst>
+        </pc:spChg>
+      </pc:sldChg>
+      <pc:sldChg chg="modSp mod">
+        <pc:chgData name="Judson Santiago" userId="ebb108da2f256286" providerId="LiveId" clId="{FEFA611F-2B8A-448F-8F9C-1B20E7321775}" dt="2021-03-09T06:56:17.856" v="63" actId="20577"/>
+        <pc:sldMkLst>
+          <pc:docMk/>
+          <pc:sldMk cId="932778265" sldId="285"/>
+        </pc:sldMkLst>
+        <pc:spChg chg="mod">
+          <ac:chgData name="Judson Santiago" userId="ebb108da2f256286" providerId="LiveId" clId="{FEFA611F-2B8A-448F-8F9C-1B20E7321775}" dt="2021-03-09T06:56:17.856" v="63" actId="20577"/>
+          <ac:spMkLst>
+            <pc:docMk/>
+            <pc:sldMk cId="932778265" sldId="285"/>
+            <ac:spMk id="5" creationId="{00000000-0000-0000-0000-000000000000}"/>
+          </ac:spMkLst>
+        </pc:spChg>
+      </pc:sldChg>
+      <pc:sldChg chg="modSp mod">
+        <pc:chgData name="Judson Santiago" userId="ebb108da2f256286" providerId="LiveId" clId="{FEFA611F-2B8A-448F-8F9C-1B20E7321775}" dt="2021-03-09T07:13:02.912" v="145" actId="20577"/>
+        <pc:sldMkLst>
+          <pc:docMk/>
+          <pc:sldMk cId="1139789061" sldId="289"/>
+        </pc:sldMkLst>
+        <pc:spChg chg="mod">
+          <ac:chgData name="Judson Santiago" userId="ebb108da2f256286" providerId="LiveId" clId="{FEFA611F-2B8A-448F-8F9C-1B20E7321775}" dt="2021-03-09T07:13:02.912" v="145" actId="20577"/>
+          <ac:spMkLst>
+            <pc:docMk/>
+            <pc:sldMk cId="1139789061" sldId="289"/>
+            <ac:spMk id="3" creationId="{00000000-0000-0000-0000-000000000000}"/>
+          </ac:spMkLst>
+        </pc:spChg>
+      </pc:sldChg>
+      <pc:sldChg chg="modSp">
+        <pc:chgData name="Judson Santiago" userId="ebb108da2f256286" providerId="LiveId" clId="{FEFA611F-2B8A-448F-8F9C-1B20E7321775}" dt="2021-03-09T06:50:35.589" v="30" actId="20577"/>
+        <pc:sldMkLst>
+          <pc:docMk/>
+          <pc:sldMk cId="149498029" sldId="310"/>
+        </pc:sldMkLst>
+        <pc:spChg chg="mod">
+          <ac:chgData name="Judson Santiago" userId="ebb108da2f256286" providerId="LiveId" clId="{FEFA611F-2B8A-448F-8F9C-1B20E7321775}" dt="2021-03-09T06:50:35.589" v="30" actId="20577"/>
+          <ac:spMkLst>
+            <pc:docMk/>
+            <pc:sldMk cId="149498029" sldId="310"/>
+            <ac:spMk id="4" creationId="{00000000-0000-0000-0000-000000000000}"/>
+          </ac:spMkLst>
+        </pc:spChg>
+      </pc:sldChg>
+      <pc:sldChg chg="modSp mod">
+        <pc:chgData name="Judson Santiago" userId="ebb108da2f256286" providerId="LiveId" clId="{FEFA611F-2B8A-448F-8F9C-1B20E7321775}" dt="2021-03-09T07:11:41.583" v="141" actId="20577"/>
+        <pc:sldMkLst>
+          <pc:docMk/>
+          <pc:sldMk cId="3109344967" sldId="313"/>
+        </pc:sldMkLst>
+        <pc:spChg chg="mod">
+          <ac:chgData name="Judson Santiago" userId="ebb108da2f256286" providerId="LiveId" clId="{FEFA611F-2B8A-448F-8F9C-1B20E7321775}" dt="2021-03-09T07:11:41.583" v="141" actId="20577"/>
+          <ac:spMkLst>
+            <pc:docMk/>
+            <pc:sldMk cId="3109344967" sldId="313"/>
+            <ac:spMk id="3" creationId="{00000000-0000-0000-0000-000000000000}"/>
+          </ac:spMkLst>
+        </pc:spChg>
+      </pc:sldChg>
+      <pc:sldChg chg="modSp mod">
+        <pc:chgData name="Judson Santiago" userId="ebb108da2f256286" providerId="LiveId" clId="{FEFA611F-2B8A-448F-8F9C-1B20E7321775}" dt="2021-03-09T06:52:41.593" v="32" actId="207"/>
+        <pc:sldMkLst>
+          <pc:docMk/>
+          <pc:sldMk cId="3431507348" sldId="320"/>
+        </pc:sldMkLst>
+        <pc:spChg chg="mod">
+          <ac:chgData name="Judson Santiago" userId="ebb108da2f256286" providerId="LiveId" clId="{FEFA611F-2B8A-448F-8F9C-1B20E7321775}" dt="2021-03-09T06:52:35.974" v="31" actId="207"/>
+          <ac:spMkLst>
+            <pc:docMk/>
+            <pc:sldMk cId="3431507348" sldId="320"/>
+            <ac:spMk id="17" creationId="{00000000-0000-0000-0000-000000000000}"/>
+          </ac:spMkLst>
+        </pc:spChg>
+        <pc:spChg chg="mod">
+          <ac:chgData name="Judson Santiago" userId="ebb108da2f256286" providerId="LiveId" clId="{FEFA611F-2B8A-448F-8F9C-1B20E7321775}" dt="2021-03-09T06:52:41.593" v="32" actId="207"/>
+          <ac:spMkLst>
+            <pc:docMk/>
+            <pc:sldMk cId="3431507348" sldId="320"/>
+            <ac:spMk id="18" creationId="{00000000-0000-0000-0000-000000000000}"/>
+          </ac:spMkLst>
+        </pc:spChg>
+      </pc:sldChg>
+      <pc:sldChg chg="modSp mod">
+        <pc:chgData name="Judson Santiago" userId="ebb108da2f256286" providerId="LiveId" clId="{FEFA611F-2B8A-448F-8F9C-1B20E7321775}" dt="2021-03-09T06:59:09.200" v="78" actId="20577"/>
+        <pc:sldMkLst>
+          <pc:docMk/>
+          <pc:sldMk cId="1610111772" sldId="323"/>
+        </pc:sldMkLst>
+        <pc:spChg chg="mod">
+          <ac:chgData name="Judson Santiago" userId="ebb108da2f256286" providerId="LiveId" clId="{FEFA611F-2B8A-448F-8F9C-1B20E7321775}" dt="2021-03-09T06:59:09.200" v="78" actId="20577"/>
+          <ac:spMkLst>
+            <pc:docMk/>
+            <pc:sldMk cId="1610111772" sldId="323"/>
+            <ac:spMk id="3" creationId="{00000000-0000-0000-0000-000000000000}"/>
+          </ac:spMkLst>
+        </pc:spChg>
+        <pc:spChg chg="mod">
+          <ac:chgData name="Judson Santiago" userId="ebb108da2f256286" providerId="LiveId" clId="{FEFA611F-2B8A-448F-8F9C-1B20E7321775}" dt="2021-03-09T06:58:31.262" v="74" actId="1076"/>
+          <ac:spMkLst>
+            <pc:docMk/>
+            <pc:sldMk cId="1610111772" sldId="323"/>
+            <ac:spMk id="5" creationId="{00000000-0000-0000-0000-000000000000}"/>
+          </ac:spMkLst>
+        </pc:spChg>
+      </pc:sldChg>
+      <pc:sldChg chg="addSp modSp mod">
+        <pc:chgData name="Judson Santiago" userId="ebb108da2f256286" providerId="LiveId" clId="{FEFA611F-2B8A-448F-8F9C-1B20E7321775}" dt="2021-03-09T07:07:15.735" v="136" actId="1076"/>
+        <pc:sldMkLst>
+          <pc:docMk/>
+          <pc:sldMk cId="2985812913" sldId="325"/>
+        </pc:sldMkLst>
+        <pc:spChg chg="mod">
+          <ac:chgData name="Judson Santiago" userId="ebb108da2f256286" providerId="LiveId" clId="{FEFA611F-2B8A-448F-8F9C-1B20E7321775}" dt="2021-03-09T07:03:21.092" v="86" actId="6549"/>
+          <ac:spMkLst>
+            <pc:docMk/>
+            <pc:sldMk cId="2985812913" sldId="325"/>
+            <ac:spMk id="3" creationId="{00000000-0000-0000-0000-000000000000}"/>
+          </ac:spMkLst>
+        </pc:spChg>
+        <pc:spChg chg="mod">
+          <ac:chgData name="Judson Santiago" userId="ebb108da2f256286" providerId="LiveId" clId="{FEFA611F-2B8A-448F-8F9C-1B20E7321775}" dt="2021-03-09T07:05:53.920" v="123" actId="20577"/>
+          <ac:spMkLst>
+            <pc:docMk/>
+            <pc:sldMk cId="2985812913" sldId="325"/>
+            <ac:spMk id="12" creationId="{00000000-0000-0000-0000-000000000000}"/>
+          </ac:spMkLst>
+        </pc:spChg>
+        <pc:spChg chg="mod">
+          <ac:chgData name="Judson Santiago" userId="ebb108da2f256286" providerId="LiveId" clId="{FEFA611F-2B8A-448F-8F9C-1B20E7321775}" dt="2021-03-09T07:04:37.368" v="89" actId="1076"/>
+          <ac:spMkLst>
+            <pc:docMk/>
+            <pc:sldMk cId="2985812913" sldId="325"/>
+            <ac:spMk id="13" creationId="{00000000-0000-0000-0000-000000000000}"/>
+          </ac:spMkLst>
+        </pc:spChg>
+        <pc:spChg chg="mod">
+          <ac:chgData name="Judson Santiago" userId="ebb108da2f256286" providerId="LiveId" clId="{FEFA611F-2B8A-448F-8F9C-1B20E7321775}" dt="2021-03-09T07:04:37.368" v="89" actId="1076"/>
+          <ac:spMkLst>
+            <pc:docMk/>
+            <pc:sldMk cId="2985812913" sldId="325"/>
+            <ac:spMk id="14" creationId="{00000000-0000-0000-0000-000000000000}"/>
+          </ac:spMkLst>
+        </pc:spChg>
+        <pc:grpChg chg="add mod">
+          <ac:chgData name="Judson Santiago" userId="ebb108da2f256286" providerId="LiveId" clId="{FEFA611F-2B8A-448F-8F9C-1B20E7321775}" dt="2021-03-09T07:07:15.735" v="136" actId="1076"/>
+          <ac:grpSpMkLst>
+            <pc:docMk/>
+            <pc:sldMk cId="2985812913" sldId="325"/>
+            <ac:grpSpMk id="9" creationId="{6B9A10DB-3069-420B-A3BC-48A7D24640A7}"/>
+          </ac:grpSpMkLst>
+        </pc:grpChg>
+        <pc:cxnChg chg="add mod">
+          <ac:chgData name="Judson Santiago" userId="ebb108da2f256286" providerId="LiveId" clId="{FEFA611F-2B8A-448F-8F9C-1B20E7321775}" dt="2021-03-09T07:07:05.804" v="134" actId="14100"/>
+          <ac:cxnSpMkLst>
+            <pc:docMk/>
+            <pc:sldMk cId="2985812913" sldId="325"/>
+            <ac:cxnSpMk id="5" creationId="{571CFD27-6843-4EDF-BDD1-1609C7724396}"/>
+          </ac:cxnSpMkLst>
+        </pc:cxnChg>
+        <pc:cxnChg chg="mod">
+          <ac:chgData name="Judson Santiago" userId="ebb108da2f256286" providerId="LiveId" clId="{FEFA611F-2B8A-448F-8F9C-1B20E7321775}" dt="2021-03-09T07:04:37.368" v="89" actId="1076"/>
+          <ac:cxnSpMkLst>
+            <pc:docMk/>
+            <pc:sldMk cId="2985812913" sldId="325"/>
+            <ac:cxnSpMk id="15" creationId="{00000000-0000-0000-0000-000000000000}"/>
+          </ac:cxnSpMkLst>
+        </pc:cxnChg>
+        <pc:cxnChg chg="add mod">
+          <ac:chgData name="Judson Santiago" userId="ebb108da2f256286" providerId="LiveId" clId="{FEFA611F-2B8A-448F-8F9C-1B20E7321775}" dt="2021-03-09T07:07:07.912" v="135" actId="1076"/>
+          <ac:cxnSpMkLst>
+            <pc:docMk/>
+            <pc:sldMk cId="2985812913" sldId="325"/>
+            <ac:cxnSpMk id="16" creationId="{760038D2-6CCD-42E0-AFD3-88414D51C23E}"/>
+          </ac:cxnSpMkLst>
+        </pc:cxnChg>
+      </pc:sldChg>
+      <pc:sldChg chg="addSp modSp mod">
+        <pc:chgData name="Judson Santiago" userId="ebb108da2f256286" providerId="LiveId" clId="{FEFA611F-2B8A-448F-8F9C-1B20E7321775}" dt="2021-03-09T06:55:00.116" v="48" actId="1035"/>
+        <pc:sldMkLst>
+          <pc:docMk/>
+          <pc:sldMk cId="3658447636" sldId="328"/>
+        </pc:sldMkLst>
+        <pc:spChg chg="mod">
+          <ac:chgData name="Judson Santiago" userId="ebb108da2f256286" providerId="LiveId" clId="{FEFA611F-2B8A-448F-8F9C-1B20E7321775}" dt="2021-03-09T06:54:26.474" v="38" actId="21"/>
+          <ac:spMkLst>
+            <pc:docMk/>
+            <pc:sldMk cId="3658447636" sldId="328"/>
+            <ac:spMk id="3" creationId="{00000000-0000-0000-0000-000000000000}"/>
+          </ac:spMkLst>
+        </pc:spChg>
+        <pc:spChg chg="add mod">
+          <ac:chgData name="Judson Santiago" userId="ebb108da2f256286" providerId="LiveId" clId="{FEFA611F-2B8A-448F-8F9C-1B20E7321775}" dt="2021-03-09T06:55:00.116" v="48" actId="1035"/>
+          <ac:spMkLst>
+            <pc:docMk/>
+            <pc:sldMk cId="3658447636" sldId="328"/>
+            <ac:spMk id="11" creationId="{A262FDDE-606E-45BE-BE0E-85B5D11AFDFA}"/>
+          </ac:spMkLst>
+        </pc:spChg>
+        <pc:spChg chg="mod">
+          <ac:chgData name="Judson Santiago" userId="ebb108da2f256286" providerId="LiveId" clId="{FEFA611F-2B8A-448F-8F9C-1B20E7321775}" dt="2021-03-09T06:55:00.116" v="48" actId="1035"/>
+          <ac:spMkLst>
+            <pc:docMk/>
+            <pc:sldMk cId="3658447636" sldId="328"/>
+            <ac:spMk id="38" creationId="{00000000-0000-0000-0000-000000000000}"/>
+          </ac:spMkLst>
+        </pc:spChg>
+        <pc:spChg chg="mod">
+          <ac:chgData name="Judson Santiago" userId="ebb108da2f256286" providerId="LiveId" clId="{FEFA611F-2B8A-448F-8F9C-1B20E7321775}" dt="2021-03-09T06:55:00.116" v="48" actId="1035"/>
+          <ac:spMkLst>
+            <pc:docMk/>
+            <pc:sldMk cId="3658447636" sldId="328"/>
+            <ac:spMk id="40" creationId="{00000000-0000-0000-0000-000000000000}"/>
+          </ac:spMkLst>
+        </pc:spChg>
+        <pc:spChg chg="mod">
+          <ac:chgData name="Judson Santiago" userId="ebb108da2f256286" providerId="LiveId" clId="{FEFA611F-2B8A-448F-8F9C-1B20E7321775}" dt="2021-03-09T06:55:00.116" v="48" actId="1035"/>
+          <ac:spMkLst>
+            <pc:docMk/>
+            <pc:sldMk cId="3658447636" sldId="328"/>
+            <ac:spMk id="41" creationId="{00000000-0000-0000-0000-000000000000}"/>
+          </ac:spMkLst>
+        </pc:spChg>
+        <pc:spChg chg="mod">
+          <ac:chgData name="Judson Santiago" userId="ebb108da2f256286" providerId="LiveId" clId="{FEFA611F-2B8A-448F-8F9C-1B20E7321775}" dt="2021-03-09T06:55:00.116" v="48" actId="1035"/>
+          <ac:spMkLst>
+            <pc:docMk/>
+            <pc:sldMk cId="3658447636" sldId="328"/>
+            <ac:spMk id="53" creationId="{00000000-0000-0000-0000-000000000000}"/>
+          </ac:spMkLst>
+        </pc:spChg>
+        <pc:cxnChg chg="mod">
+          <ac:chgData name="Judson Santiago" userId="ebb108da2f256286" providerId="LiveId" clId="{FEFA611F-2B8A-448F-8F9C-1B20E7321775}" dt="2021-03-09T06:55:00.116" v="48" actId="1035"/>
+          <ac:cxnSpMkLst>
+            <pc:docMk/>
+            <pc:sldMk cId="3658447636" sldId="328"/>
+            <ac:cxnSpMk id="46" creationId="{00000000-0000-0000-0000-000000000000}"/>
+          </ac:cxnSpMkLst>
+        </pc:cxnChg>
+        <pc:cxnChg chg="mod">
+          <ac:chgData name="Judson Santiago" userId="ebb108da2f256286" providerId="LiveId" clId="{FEFA611F-2B8A-448F-8F9C-1B20E7321775}" dt="2021-03-09T06:55:00.116" v="48" actId="1035"/>
+          <ac:cxnSpMkLst>
+            <pc:docMk/>
+            <pc:sldMk cId="3658447636" sldId="328"/>
+            <ac:cxnSpMk id="47" creationId="{00000000-0000-0000-0000-000000000000}"/>
+          </ac:cxnSpMkLst>
+        </pc:cxnChg>
+      </pc:sldChg>
+      <pc:sldChg chg="modSp mod">
+        <pc:chgData name="Judson Santiago" userId="ebb108da2f256286" providerId="LiveId" clId="{FEFA611F-2B8A-448F-8F9C-1B20E7321775}" dt="2021-03-09T07:09:24.523" v="140" actId="20577"/>
+        <pc:sldMkLst>
+          <pc:docMk/>
+          <pc:sldMk cId="497350086" sldId="329"/>
+        </pc:sldMkLst>
+        <pc:spChg chg="mod">
+          <ac:chgData name="Judson Santiago" userId="ebb108da2f256286" providerId="LiveId" clId="{FEFA611F-2B8A-448F-8F9C-1B20E7321775}" dt="2021-03-09T07:09:24.523" v="140" actId="20577"/>
+          <ac:spMkLst>
+            <pc:docMk/>
+            <pc:sldMk cId="497350086" sldId="329"/>
+            <ac:spMk id="3" creationId="{00000000-0000-0000-0000-000000000000}"/>
+          </ac:spMkLst>
+        </pc:spChg>
+      </pc:sldChg>
+    </pc:docChg>
+  </pc:docChgLst>
 </pc:chgInfo>
 </file>
 
@@ -884,7 +1162,7 @@
             <a:fld id="{16AEA49D-2535-4933-B734-2986998DA04B}" type="datetimeFigureOut">
               <a:rPr lang="pt-BR" smtClean="0"/>
               <a:pPr/>
-              <a:t>30/09/2019</a:t>
+              <a:t>09/03/2021</a:t>
             </a:fld>
             <a:endParaRPr lang="pt-BR"/>
           </a:p>
@@ -2711,7 +2989,7 @@
             <a:fld id="{10D83AF5-3A59-46F5-8FEC-BB3944BF9F51}" type="datetimeFigureOut">
               <a:rPr lang="pt-BR" smtClean="0"/>
               <a:pPr/>
-              <a:t>30/09/2019</a:t>
+              <a:t>09/03/2021</a:t>
             </a:fld>
             <a:endParaRPr lang="pt-BR"/>
           </a:p>
@@ -3266,7 +3544,7 @@
             <a:fld id="{10D83AF5-3A59-46F5-8FEC-BB3944BF9F51}" type="datetimeFigureOut">
               <a:rPr lang="pt-BR" smtClean="0"/>
               <a:pPr/>
-              <a:t>30/09/2019</a:t>
+              <a:t>09/03/2021</a:t>
             </a:fld>
             <a:endParaRPr lang="pt-BR"/>
           </a:p>
@@ -3443,7 +3721,7 @@
             <a:fld id="{10D83AF5-3A59-46F5-8FEC-BB3944BF9F51}" type="datetimeFigureOut">
               <a:rPr lang="pt-BR" smtClean="0"/>
               <a:pPr/>
-              <a:t>30/09/2019</a:t>
+              <a:t>09/03/2021</a:t>
             </a:fld>
             <a:endParaRPr lang="pt-BR"/>
           </a:p>
@@ -3610,7 +3888,7 @@
             <a:fld id="{10D83AF5-3A59-46F5-8FEC-BB3944BF9F51}" type="datetimeFigureOut">
               <a:rPr lang="pt-BR" smtClean="0"/>
               <a:pPr/>
-              <a:t>30/09/2019</a:t>
+              <a:t>09/03/2021</a:t>
             </a:fld>
             <a:endParaRPr lang="pt-BR"/>
           </a:p>
@@ -5059,7 +5337,7 @@
             <a:fld id="{10D83AF5-3A59-46F5-8FEC-BB3944BF9F51}" type="datetimeFigureOut">
               <a:rPr lang="pt-BR" smtClean="0"/>
               <a:pPr/>
-              <a:t>30/09/2019</a:t>
+              <a:t>09/03/2021</a:t>
             </a:fld>
             <a:endParaRPr lang="pt-BR"/>
           </a:p>
@@ -5641,7 +5919,7 @@
             <a:fld id="{10D83AF5-3A59-46F5-8FEC-BB3944BF9F51}" type="datetimeFigureOut">
               <a:rPr lang="pt-BR" smtClean="0"/>
               <a:pPr/>
-              <a:t>30/09/2019</a:t>
+              <a:t>09/03/2021</a:t>
             </a:fld>
             <a:endParaRPr lang="pt-BR"/>
           </a:p>
@@ -6072,7 +6350,7 @@
             <a:fld id="{10D83AF5-3A59-46F5-8FEC-BB3944BF9F51}" type="datetimeFigureOut">
               <a:rPr lang="pt-BR" smtClean="0"/>
               <a:pPr/>
-              <a:t>30/09/2019</a:t>
+              <a:t>09/03/2021</a:t>
             </a:fld>
             <a:endParaRPr lang="pt-BR"/>
           </a:p>
@@ -6611,7 +6889,7 @@
             <a:fld id="{10D83AF5-3A59-46F5-8FEC-BB3944BF9F51}" type="datetimeFigureOut">
               <a:rPr lang="pt-BR" smtClean="0"/>
               <a:pPr/>
-              <a:t>30/09/2019</a:t>
+              <a:t>09/03/2021</a:t>
             </a:fld>
             <a:endParaRPr lang="pt-BR"/>
           </a:p>
@@ -6703,7 +6981,7 @@
             <a:fld id="{10D83AF5-3A59-46F5-8FEC-BB3944BF9F51}" type="datetimeFigureOut">
               <a:rPr lang="pt-BR" smtClean="0"/>
               <a:pPr/>
-              <a:t>30/09/2019</a:t>
+              <a:t>09/03/2021</a:t>
             </a:fld>
             <a:endParaRPr lang="pt-BR"/>
           </a:p>
@@ -6953,7 +7231,7 @@
             <a:fld id="{10D83AF5-3A59-46F5-8FEC-BB3944BF9F51}" type="datetimeFigureOut">
               <a:rPr lang="pt-BR" smtClean="0"/>
               <a:pPr/>
-              <a:t>30/09/2019</a:t>
+              <a:t>09/03/2021</a:t>
             </a:fld>
             <a:endParaRPr lang="pt-BR"/>
           </a:p>
@@ -7668,7 +7946,7 @@
             <a:fld id="{10D83AF5-3A59-46F5-8FEC-BB3944BF9F51}" type="datetimeFigureOut">
               <a:rPr lang="pt-BR" smtClean="0"/>
               <a:pPr/>
-              <a:t>30/09/2019</a:t>
+              <a:t>09/03/2021</a:t>
             </a:fld>
             <a:endParaRPr lang="pt-BR"/>
           </a:p>
@@ -7935,7 +8213,7 @@
             <a:fld id="{10D83AF5-3A59-46F5-8FEC-BB3944BF9F51}" type="datetimeFigureOut">
               <a:rPr lang="pt-BR" smtClean="0"/>
               <a:pPr/>
-              <a:t>30/09/2019</a:t>
+              <a:t>09/03/2021</a:t>
             </a:fld>
             <a:endParaRPr lang="pt-BR"/>
           </a:p>
@@ -10305,17 +10583,14 @@
             </a:r>
             <a:r>
               <a:rPr lang="pt-BR" dirty="0"/>
-              <a:t> possui tipo de retorno </a:t>
-            </a:r>
-            <a:r>
-              <a:rPr lang="pt-BR" dirty="0" err="1">
-                <a:solidFill>
-                  <a:schemeClr val="accent3">
-                    <a:lumMod val="75000"/>
-                  </a:schemeClr>
-                </a:solidFill>
-              </a:rPr>
-              <a:t>void</a:t>
+              <a:t> possui tipo </a:t>
+            </a:r>
+            <a:br>
+              <a:rPr lang="pt-BR" dirty="0"/>
+            </a:br>
+            <a:r>
+              <a:rPr lang="pt-BR" dirty="0"/>
+              <a:t>de retorno </a:t>
             </a:r>
             <a:r>
               <a:rPr lang="pt-BR" dirty="0">
@@ -10325,7 +10600,7 @@
                   </a:schemeClr>
                 </a:solidFill>
               </a:rPr>
-              <a:t> </a:t>
+              <a:t>void </a:t>
             </a:r>
             <a:r>
               <a:rPr lang="pt-BR" dirty="0"/>
@@ -10366,16 +10641,6 @@
               <a:t>Uma função com tipo de retorno </a:t>
             </a:r>
             <a:r>
-              <a:rPr lang="pt-BR" dirty="0" err="1">
-                <a:solidFill>
-                  <a:schemeClr val="accent3">
-                    <a:lumMod val="75000"/>
-                  </a:schemeClr>
-                </a:solidFill>
-              </a:rPr>
-              <a:t>void</a:t>
-            </a:r>
-            <a:r>
               <a:rPr lang="pt-BR" dirty="0">
                 <a:solidFill>
                   <a:schemeClr val="accent3">
@@ -10383,7 +10648,26 @@
                   </a:schemeClr>
                 </a:solidFill>
               </a:rPr>
-              <a:t> não pode ser atribuída</a:t>
+              <a:t>void não pode ser </a:t>
+            </a:r>
+            <a:br>
+              <a:rPr lang="pt-BR" dirty="0">
+                <a:solidFill>
+                  <a:schemeClr val="accent3">
+                    <a:lumMod val="75000"/>
+                  </a:schemeClr>
+                </a:solidFill>
+              </a:rPr>
+            </a:br>
+            <a:r>
+              <a:rPr lang="pt-BR" dirty="0">
+                <a:solidFill>
+                  <a:schemeClr val="accent3">
+                    <a:lumMod val="75000"/>
+                  </a:schemeClr>
+                </a:solidFill>
+              </a:rPr>
+              <a:t>atribuída</a:t>
             </a:r>
             <a:r>
               <a:rPr lang="pt-BR" dirty="0"/>
@@ -10403,8 +10687,8 @@
         </p:nvSpPr>
         <p:spPr>
           <a:xfrm>
-            <a:off x="3359696" y="4869160"/>
-            <a:ext cx="4824536" cy="646331"/>
+            <a:off x="1640442" y="4940258"/>
+            <a:ext cx="4824536" cy="923330"/>
           </a:xfrm>
           <a:prstGeom prst="rect">
             <a:avLst/>
@@ -10415,6 +10699,19 @@
             <a:spAutoFit/>
           </a:bodyPr>
           <a:lstStyle/>
+          <a:p>
+            <a:r>
+              <a:rPr lang="pt-BR" dirty="0">
+                <a:solidFill>
+                  <a:schemeClr val="tx1">
+                    <a:lumMod val="50000"/>
+                  </a:schemeClr>
+                </a:solidFill>
+                <a:latin typeface="+mj-lt"/>
+              </a:rPr>
+              <a:t>// atribuição inválida</a:t>
+            </a:r>
+          </a:p>
           <a:p>
             <a:r>
               <a:rPr lang="pt-BR" dirty="0">
@@ -10440,15 +10737,12 @@
               </a:rPr>
               <a:t>); </a:t>
             </a:r>
-            <a:r>
-              <a:rPr lang="pt-BR" dirty="0">
-                <a:solidFill>
-                  <a:srgbClr val="FF0000"/>
-                </a:solidFill>
-                <a:latin typeface="+mj-lt"/>
-              </a:rPr>
-              <a:t>// INVÁLIDO</a:t>
-            </a:r>
+            <a:endParaRPr lang="pt-BR" dirty="0">
+              <a:solidFill>
+                <a:srgbClr val="FF0000"/>
+              </a:solidFill>
+              <a:latin typeface="+mj-lt"/>
+            </a:endParaRPr>
           </a:p>
           <a:p>
             <a:r>
@@ -10538,7 +10832,7 @@
         </p:nvSpPr>
         <p:spPr>
           <a:xfrm>
-            <a:off x="5358820" y="5805264"/>
+            <a:off x="8608118" y="4936779"/>
             <a:ext cx="2000264" cy="642942"/>
           </a:xfrm>
           <a:prstGeom prst="rect">
@@ -10601,7 +10895,7 @@
         </p:nvSpPr>
         <p:spPr>
           <a:xfrm>
-            <a:off x="3215680" y="5805265"/>
+            <a:off x="6464978" y="4936780"/>
             <a:ext cx="1571636" cy="646331"/>
           </a:xfrm>
           <a:prstGeom prst="rect">
@@ -10650,7 +10944,7 @@
         </p:nvCxnSpPr>
         <p:spPr>
           <a:xfrm>
-            <a:off x="4787316" y="6128429"/>
+            <a:off x="8036614" y="5259944"/>
             <a:ext cx="571504" cy="1588"/>
           </a:xfrm>
           <a:prstGeom prst="straightConnector1">
@@ -10678,6 +10972,113 @@
           </a:fontRef>
         </p:style>
       </p:cxnSp>
+      <p:grpSp>
+        <p:nvGrpSpPr>
+          <p:cNvPr id="9" name="Agrupar 8">
+            <a:extLst>
+              <a:ext uri="{FF2B5EF4-FFF2-40B4-BE49-F238E27FC236}">
+                <a16:creationId xmlns:a16="http://schemas.microsoft.com/office/drawing/2014/main" id="{6B9A10DB-3069-420B-A3BC-48A7D24640A7}"/>
+              </a:ext>
+            </a:extLst>
+          </p:cNvPr>
+          <p:cNvGrpSpPr/>
+          <p:nvPr/>
+        </p:nvGrpSpPr>
+        <p:grpSpPr>
+          <a:xfrm>
+            <a:off x="4439816" y="5386944"/>
+            <a:ext cx="144016" cy="128644"/>
+            <a:chOff x="4727848" y="5259944"/>
+            <a:chExt cx="144016" cy="128644"/>
+          </a:xfrm>
+        </p:grpSpPr>
+        <p:cxnSp>
+          <p:nvCxnSpPr>
+            <p:cNvPr id="5" name="Conector reto 4">
+              <a:extLst>
+                <a:ext uri="{FF2B5EF4-FFF2-40B4-BE49-F238E27FC236}">
+                  <a16:creationId xmlns:a16="http://schemas.microsoft.com/office/drawing/2014/main" id="{571CFD27-6843-4EDF-BDD1-1609C7724396}"/>
+                </a:ext>
+              </a:extLst>
+            </p:cNvPr>
+            <p:cNvCxnSpPr>
+              <a:cxnSpLocks/>
+            </p:cNvCxnSpPr>
+            <p:nvPr/>
+          </p:nvCxnSpPr>
+          <p:spPr>
+            <a:xfrm>
+              <a:off x="4727848" y="5259944"/>
+              <a:ext cx="144016" cy="128644"/>
+            </a:xfrm>
+            <a:prstGeom prst="line">
+              <a:avLst/>
+            </a:prstGeom>
+            <a:ln w="38100">
+              <a:solidFill>
+                <a:srgbClr val="C00000"/>
+              </a:solidFill>
+            </a:ln>
+          </p:spPr>
+          <p:style>
+            <a:lnRef idx="1">
+              <a:schemeClr val="accent1"/>
+            </a:lnRef>
+            <a:fillRef idx="0">
+              <a:schemeClr val="accent1"/>
+            </a:fillRef>
+            <a:effectRef idx="0">
+              <a:schemeClr val="accent1"/>
+            </a:effectRef>
+            <a:fontRef idx="minor">
+              <a:schemeClr val="tx1"/>
+            </a:fontRef>
+          </p:style>
+        </p:cxnSp>
+        <p:cxnSp>
+          <p:nvCxnSpPr>
+            <p:cNvPr id="16" name="Conector reto 15">
+              <a:extLst>
+                <a:ext uri="{FF2B5EF4-FFF2-40B4-BE49-F238E27FC236}">
+                  <a16:creationId xmlns:a16="http://schemas.microsoft.com/office/drawing/2014/main" id="{760038D2-6CCD-42E0-AFD3-88414D51C23E}"/>
+                </a:ext>
+              </a:extLst>
+            </p:cNvPr>
+            <p:cNvCxnSpPr>
+              <a:cxnSpLocks/>
+            </p:cNvCxnSpPr>
+            <p:nvPr/>
+          </p:nvCxnSpPr>
+          <p:spPr>
+            <a:xfrm flipH="1">
+              <a:off x="4727848" y="5259944"/>
+              <a:ext cx="144016" cy="128644"/>
+            </a:xfrm>
+            <a:prstGeom prst="line">
+              <a:avLst/>
+            </a:prstGeom>
+            <a:ln w="38100">
+              <a:solidFill>
+                <a:srgbClr val="C00000"/>
+              </a:solidFill>
+            </a:ln>
+          </p:spPr>
+          <p:style>
+            <a:lnRef idx="1">
+              <a:schemeClr val="accent1"/>
+            </a:lnRef>
+            <a:fillRef idx="0">
+              <a:schemeClr val="accent1"/>
+            </a:fillRef>
+            <a:effectRef idx="0">
+              <a:schemeClr val="accent1"/>
+            </a:effectRef>
+            <a:fontRef idx="minor">
+              <a:schemeClr val="tx1"/>
+            </a:fontRef>
+          </p:style>
+        </p:cxnSp>
+      </p:grpSp>
     </p:spTree>
     <p:extLst>
       <p:ext uri="{BB962C8B-B14F-4D97-AF65-F5344CB8AC3E}">
@@ -13616,7 +14017,14 @@
             </a:r>
             <a:r>
               <a:rPr lang="pt-BR" dirty="0"/>
-              <a:t>funciona da mesma forma que uma função de biblioteca</a:t>
+              <a:t>funciona </a:t>
+            </a:r>
+            <a:br>
+              <a:rPr lang="pt-BR" dirty="0"/>
+            </a:br>
+            <a:r>
+              <a:rPr lang="pt-BR" dirty="0"/>
+              <a:t>da mesma forma que uma função de biblioteca</a:t>
             </a:r>
           </a:p>
           <a:p>
@@ -14061,8 +14469,8 @@
           </a:p>
         </p:txBody>
       </p:sp>
-      <mc:AlternateContent xmlns:mc="http://schemas.openxmlformats.org/markup-compatibility/2006" xmlns:a14="http://schemas.microsoft.com/office/drawing/2010/main">
-        <mc:Choice Requires="a14">
+      <mc:AlternateContent xmlns:mc="http://schemas.openxmlformats.org/markup-compatibility/2006">
+        <mc:Choice xmlns:a14="http://schemas.microsoft.com/office/drawing/2010/main" Requires="a14">
           <p:sp>
             <p:nvSpPr>
               <p:cNvPr id="4" name="CaixaDeTexto 3"/>
@@ -14105,15 +14513,12 @@
                     </a:solidFill>
                     <a:latin typeface="+mj-lt"/>
                   </a:rPr>
-                  <a:t>f:</a:t>
+                  <a:t>f: </a:t>
                 </a:r>
                 <a14:m>
                   <m:oMath xmlns:m="http://schemas.openxmlformats.org/officeDocument/2006/math">
                     <m:r>
-                      <m:rPr>
-                        <m:sty m:val="p"/>
-                      </m:rPr>
-                      <a:rPr lang="pt-BR" b="0" i="0" smtClean="0">
+                      <a:rPr lang="pt-BR" b="0" i="1" smtClean="0">
                         <a:solidFill>
                           <a:schemeClr val="accent3">
                             <a:lumMod val="75000"/>
@@ -14122,7 +14527,19 @@
                         <a:latin typeface="Cambria Math" panose="02040503050406030204" pitchFamily="18" charset="0"/>
                         <a:ea typeface="Cambria Math" panose="02040503050406030204" pitchFamily="18" charset="0"/>
                       </a:rPr>
-                      <m:t>R</m:t>
+                      <m:t>ℝ</m:t>
+                    </m:r>
+                    <m:r>
+                      <a:rPr lang="pt-BR" b="0" i="1" smtClean="0">
+                        <a:solidFill>
+                          <a:schemeClr val="accent3">
+                            <a:lumMod val="75000"/>
+                          </a:schemeClr>
+                        </a:solidFill>
+                        <a:latin typeface="Cambria Math" panose="02040503050406030204" pitchFamily="18" charset="0"/>
+                        <a:ea typeface="Cambria Math" panose="02040503050406030204" pitchFamily="18" charset="0"/>
+                      </a:rPr>
+                      <m:t> </m:t>
                     </m:r>
                   </m:oMath>
                 </a14:m>
@@ -14141,9 +14558,6 @@
                 <a14:m>
                   <m:oMath xmlns:m="http://schemas.openxmlformats.org/officeDocument/2006/math">
                     <m:r>
-                      <m:rPr>
-                        <m:sty m:val="p"/>
-                      </m:rPr>
                       <a:rPr lang="pt-BR" b="0" i="0" smtClean="0">
                         <a:solidFill>
                           <a:schemeClr val="accent3">
@@ -14153,7 +14567,19 @@
                         <a:latin typeface="Cambria Math" panose="02040503050406030204" pitchFamily="18" charset="0"/>
                         <a:ea typeface="Cambria Math" panose="02040503050406030204" pitchFamily="18" charset="0"/>
                       </a:rPr>
-                      <m:t>R</m:t>
+                      <m:t> </m:t>
+                    </m:r>
+                    <m:r>
+                      <a:rPr lang="pt-BR" b="0" i="1" smtClean="0">
+                        <a:solidFill>
+                          <a:schemeClr val="accent3">
+                            <a:lumMod val="75000"/>
+                          </a:schemeClr>
+                        </a:solidFill>
+                        <a:latin typeface="Cambria Math" panose="02040503050406030204" pitchFamily="18" charset="0"/>
+                        <a:ea typeface="Cambria Math" panose="02040503050406030204" pitchFamily="18" charset="0"/>
+                      </a:rPr>
+                      <m:t>ℝ</m:t>
                     </m:r>
                   </m:oMath>
                 </a14:m>
@@ -14172,7 +14598,7 @@
             </p:txBody>
           </p:sp>
         </mc:Choice>
-        <mc:Fallback xmlns="">
+        <mc:Fallback>
           <p:sp>
             <p:nvSpPr>
               <p:cNvPr id="4" name="CaixaDeTexto 3"/>
@@ -19098,9 +19524,21 @@
             </a:br>
             <a:r>
               <a:rPr lang="pt-BR" dirty="0">
+                <a:solidFill>
+                  <a:schemeClr val="accent3">
+                    <a:lumMod val="60000"/>
+                    <a:lumOff val="40000"/>
+                  </a:schemeClr>
+                </a:solidFill>
                 <a:latin typeface="+mj-lt"/>
               </a:rPr>
-              <a:t>Ex.: 64</a:t>
+              <a:t>Ex.:</a:t>
+            </a:r>
+            <a:r>
+              <a:rPr lang="pt-BR" dirty="0">
+                <a:latin typeface="+mj-lt"/>
+              </a:rPr>
+              <a:t> 64</a:t>
             </a:r>
           </a:p>
         </p:txBody>
@@ -19141,9 +19579,21 @@
             </a:br>
             <a:r>
               <a:rPr lang="pt-BR" dirty="0">
+                <a:solidFill>
+                  <a:schemeClr val="accent3">
+                    <a:lumMod val="60000"/>
+                    <a:lumOff val="40000"/>
+                  </a:schemeClr>
+                </a:solidFill>
                 <a:latin typeface="+mj-lt"/>
               </a:rPr>
-              <a:t>Ex.: 8</a:t>
+              <a:t>Ex.:</a:t>
+            </a:r>
+            <a:r>
+              <a:rPr lang="pt-BR" dirty="0">
+                <a:latin typeface="+mj-lt"/>
+              </a:rPr>
+              <a:t> 8</a:t>
             </a:r>
           </a:p>
         </p:txBody>
@@ -19356,7 +19806,7 @@
           <a:p>
             <a:r>
               <a:rPr lang="pt-BR" dirty="0"/>
-              <a:t>Assim como na matemática, </a:t>
+              <a:t>Como na matemática, </a:t>
             </a:r>
             <a:r>
               <a:rPr lang="pt-BR" dirty="0">
@@ -19390,24 +19840,15 @@
           </a:p>
           <a:p>
             <a:pPr lvl="1"/>
-            <a:r>
-              <a:rPr lang="pt-BR" dirty="0"/>
-              <a:t>A interface da função computacional é definida através de </a:t>
-            </a:r>
-            <a:r>
-              <a:rPr lang="pt-BR" dirty="0">
-                <a:solidFill>
-                  <a:schemeClr val="accent3">
-                    <a:lumMod val="75000"/>
-                  </a:schemeClr>
-                </a:solidFill>
-              </a:rPr>
-              <a:t>tipos computacionais</a:t>
-            </a:r>
-            <a:r>
-              <a:rPr lang="pt-BR" dirty="0"/>
-              <a:t> ao invés de conjuntos numéricos</a:t>
-            </a:r>
+            <a:endParaRPr lang="pt-BR" dirty="0"/>
+          </a:p>
+          <a:p>
+            <a:pPr lvl="1"/>
+            <a:endParaRPr lang="pt-BR" dirty="0"/>
+          </a:p>
+          <a:p>
+            <a:pPr lvl="1"/>
+            <a:endParaRPr lang="pt-BR" dirty="0"/>
           </a:p>
         </p:txBody>
       </p:sp>
@@ -19419,7 +19860,7 @@
         </p:nvSpPr>
         <p:spPr>
           <a:xfrm>
-            <a:off x="5358250" y="3279242"/>
+            <a:off x="5358250" y="2996952"/>
             <a:ext cx="2000264" cy="642942"/>
           </a:xfrm>
           <a:prstGeom prst="rect">
@@ -19483,7 +19924,7 @@
         </p:nvSpPr>
         <p:spPr>
           <a:xfrm>
-            <a:off x="3143672" y="3291435"/>
+            <a:off x="3143672" y="3009145"/>
             <a:ext cx="1571636" cy="646331"/>
           </a:xfrm>
           <a:prstGeom prst="rect">
@@ -19511,9 +19952,21 @@
             </a:br>
             <a:r>
               <a:rPr lang="pt-BR" dirty="0">
+                <a:solidFill>
+                  <a:schemeClr val="accent3">
+                    <a:lumMod val="60000"/>
+                    <a:lumOff val="40000"/>
+                  </a:schemeClr>
+                </a:solidFill>
                 <a:latin typeface="+mj-lt"/>
               </a:rPr>
-              <a:t>Ex.: 64</a:t>
+              <a:t>Ex.: </a:t>
+            </a:r>
+            <a:r>
+              <a:rPr lang="pt-BR" dirty="0">
+                <a:latin typeface="+mj-lt"/>
+              </a:rPr>
+              <a:t>64</a:t>
             </a:r>
           </a:p>
         </p:txBody>
@@ -19526,7 +19979,7 @@
         </p:nvSpPr>
         <p:spPr>
           <a:xfrm>
-            <a:off x="7715704" y="3291435"/>
+            <a:off x="7715704" y="3009145"/>
             <a:ext cx="1857388" cy="646331"/>
           </a:xfrm>
           <a:prstGeom prst="rect">
@@ -19554,9 +20007,21 @@
             </a:br>
             <a:r>
               <a:rPr lang="pt-BR" dirty="0">
+                <a:solidFill>
+                  <a:schemeClr val="accent3">
+                    <a:lumMod val="60000"/>
+                    <a:lumOff val="40000"/>
+                  </a:schemeClr>
+                </a:solidFill>
                 <a:latin typeface="+mj-lt"/>
               </a:rPr>
-              <a:t>Ex.: 8</a:t>
+              <a:t>Ex.: </a:t>
+            </a:r>
+            <a:r>
+              <a:rPr lang="pt-BR" dirty="0">
+                <a:latin typeface="+mj-lt"/>
+              </a:rPr>
+              <a:t>8</a:t>
             </a:r>
           </a:p>
         </p:txBody>
@@ -19569,7 +20034,7 @@
         </p:nvCxnSpPr>
         <p:spPr>
           <a:xfrm>
-            <a:off x="7358514" y="3577186"/>
+            <a:off x="7358514" y="3294896"/>
             <a:ext cx="571504" cy="1588"/>
           </a:xfrm>
           <a:prstGeom prst="straightConnector1">
@@ -19605,7 +20070,7 @@
         </p:nvCxnSpPr>
         <p:spPr>
           <a:xfrm>
-            <a:off x="4786746" y="3577186"/>
+            <a:off x="4786746" y="3294896"/>
             <a:ext cx="571504" cy="1588"/>
           </a:xfrm>
           <a:prstGeom prst="straightConnector1">
@@ -19641,7 +20106,7 @@
         </p:nvSpPr>
         <p:spPr>
           <a:xfrm>
-            <a:off x="4937317" y="4098558"/>
+            <a:off x="4937317" y="3816268"/>
             <a:ext cx="2842130" cy="338554"/>
           </a:xfrm>
           <a:prstGeom prst="rect">
@@ -19743,6 +20208,56 @@
                 </a:schemeClr>
               </a:solidFill>
             </a:endParaRPr>
+          </a:p>
+        </p:txBody>
+      </p:sp>
+      <p:sp>
+        <p:nvSpPr>
+          <p:cNvPr id="11" name="CaixaDeTexto 10">
+            <a:extLst>
+              <a:ext uri="{FF2B5EF4-FFF2-40B4-BE49-F238E27FC236}">
+                <a16:creationId xmlns:a16="http://schemas.microsoft.com/office/drawing/2014/main" id="{A262FDDE-606E-45BE-BE0E-85B5D11AFDFA}"/>
+              </a:ext>
+            </a:extLst>
+          </p:cNvPr>
+          <p:cNvSpPr txBox="1"/>
+          <p:nvPr/>
+        </p:nvSpPr>
+        <p:spPr>
+          <a:xfrm>
+            <a:off x="3352800" y="4674606"/>
+            <a:ext cx="6096000" cy="1200329"/>
+          </a:xfrm>
+          <a:prstGeom prst="rect">
+            <a:avLst/>
+          </a:prstGeom>
+          <a:noFill/>
+        </p:spPr>
+        <p:txBody>
+          <a:bodyPr wrap="square">
+            <a:spAutoFit/>
+          </a:bodyPr>
+          <a:lstStyle/>
+          <a:p>
+            <a:pPr algn="ctr"/>
+            <a:r>
+              <a:rPr lang="pt-BR" sz="2400" dirty="0"/>
+              <a:t>A interface da função computacional é definida através de </a:t>
+            </a:r>
+            <a:r>
+              <a:rPr lang="pt-BR" sz="2400" dirty="0">
+                <a:solidFill>
+                  <a:schemeClr val="accent3">
+                    <a:lumMod val="75000"/>
+                  </a:schemeClr>
+                </a:solidFill>
+              </a:rPr>
+              <a:t>tipos computacionais</a:t>
+            </a:r>
+            <a:r>
+              <a:rPr lang="pt-BR" sz="2400" dirty="0"/>
+              <a:t> ao invés de conjuntos numéricos</a:t>
+            </a:r>
           </a:p>
         </p:txBody>
       </p:sp>
@@ -19785,7 +20300,7 @@
         <p:spPr>
           <a:xfrm>
             <a:off x="1219200" y="1571612"/>
-            <a:ext cx="8877328" cy="5016758"/>
+            <a:ext cx="8877328" cy="4770537"/>
           </a:xfrm>
           <a:prstGeom prst="rect">
             <a:avLst/>
@@ -20214,31 +20729,9 @@
               </a:rPr>
               <a:t>// chamada da função system</a:t>
             </a:r>
-          </a:p>
-          <a:p>
-            <a:r>
-              <a:rPr lang="pt-BR" sz="1600" dirty="0">
-                <a:latin typeface="+mj-lt"/>
-              </a:rPr>
-              <a:t>     </a:t>
-            </a:r>
-            <a:r>
-              <a:rPr lang="pt-BR" sz="1600" dirty="0">
-                <a:solidFill>
-                  <a:schemeClr val="accent3">
-                    <a:lumMod val="75000"/>
-                  </a:schemeClr>
-                </a:solidFill>
-                <a:latin typeface="+mj-lt"/>
-              </a:rPr>
-              <a:t>return</a:t>
-            </a:r>
-            <a:r>
-              <a:rPr lang="pt-BR" sz="1600" dirty="0">
-                <a:latin typeface="+mj-lt"/>
-              </a:rPr>
-              <a:t> 0;</a:t>
-            </a:r>
+            <a:endParaRPr lang="pt-BR" sz="1600" dirty="0">
+              <a:latin typeface="+mj-lt"/>
+            </a:endParaRPr>
           </a:p>
           <a:p>
             <a:r>
@@ -20364,7 +20857,14 @@
             <a:pPr lvl="1"/>
             <a:r>
               <a:rPr lang="pt-BR" dirty="0"/>
-              <a:t>Em C++ toda função deve ter seu protótipo definido por uma instrução de declaração</a:t>
+              <a:t>Em C++ toda função deve ter seu protótipo definido </a:t>
+            </a:r>
+            <a:br>
+              <a:rPr lang="pt-BR" dirty="0"/>
+            </a:br>
+            <a:r>
+              <a:rPr lang="pt-BR" dirty="0"/>
+              <a:t>por uma instrução de declaração</a:t>
             </a:r>
           </a:p>
           <a:p>
@@ -20389,6 +20889,9 @@
               <a:rPr lang="pt-BR" dirty="0"/>
               <a:t> está definido no </a:t>
             </a:r>
+            <a:br>
+              <a:rPr lang="pt-BR" dirty="0"/>
+            </a:br>
             <a:r>
               <a:rPr lang="pt-BR" dirty="0">
                 <a:solidFill>
@@ -20487,8 +20990,8 @@
         </p:nvSpPr>
         <p:spPr>
           <a:xfrm>
-            <a:off x="1991544" y="3746394"/>
-            <a:ext cx="3888432" cy="646331"/>
+            <a:off x="1966565" y="3861048"/>
+            <a:ext cx="6480720" cy="369332"/>
           </a:xfrm>
           <a:prstGeom prst="rect">
             <a:avLst/>
@@ -20501,6 +21004,57 @@
           </a:bodyPr>
           <a:lstStyle/>
           <a:p>
+            <a:r>
+              <a:rPr lang="pt-BR" dirty="0" err="1">
+                <a:solidFill>
+                  <a:schemeClr val="accent3">
+                    <a:lumMod val="75000"/>
+                  </a:schemeClr>
+                </a:solidFill>
+                <a:latin typeface="+mj-lt"/>
+              </a:rPr>
+              <a:t>double</a:t>
+            </a:r>
+            <a:r>
+              <a:rPr lang="pt-BR" dirty="0">
+                <a:solidFill>
+                  <a:schemeClr val="accent3">
+                    <a:lumMod val="75000"/>
+                  </a:schemeClr>
+                </a:solidFill>
+                <a:latin typeface="+mj-lt"/>
+              </a:rPr>
+              <a:t> </a:t>
+            </a:r>
+            <a:r>
+              <a:rPr lang="pt-BR" dirty="0" err="1">
+                <a:latin typeface="+mj-lt"/>
+              </a:rPr>
+              <a:t>sqrt</a:t>
+            </a:r>
+            <a:r>
+              <a:rPr lang="pt-BR" dirty="0">
+                <a:latin typeface="+mj-lt"/>
+              </a:rPr>
+              <a:t>(</a:t>
+            </a:r>
+            <a:r>
+              <a:rPr lang="pt-BR" dirty="0" err="1">
+                <a:solidFill>
+                  <a:schemeClr val="accent3">
+                    <a:lumMod val="75000"/>
+                  </a:schemeClr>
+                </a:solidFill>
+                <a:latin typeface="+mj-lt"/>
+              </a:rPr>
+              <a:t>double</a:t>
+            </a:r>
+            <a:r>
+              <a:rPr lang="pt-BR" dirty="0">
+                <a:latin typeface="+mj-lt"/>
+              </a:rPr>
+              <a:t>); </a:t>
+            </a:r>
             <a:r>
               <a:rPr lang="pt-BR" dirty="0">
                 <a:solidFill>
@@ -20531,59 +21085,6 @@
               </a:solidFill>
               <a:latin typeface="+mj-lt"/>
             </a:endParaRPr>
-          </a:p>
-          <a:p>
-            <a:r>
-              <a:rPr lang="pt-BR" dirty="0" err="1">
-                <a:solidFill>
-                  <a:schemeClr val="accent3">
-                    <a:lumMod val="75000"/>
-                  </a:schemeClr>
-                </a:solidFill>
-                <a:latin typeface="+mj-lt"/>
-              </a:rPr>
-              <a:t>double</a:t>
-            </a:r>
-            <a:r>
-              <a:rPr lang="pt-BR" dirty="0">
-                <a:solidFill>
-                  <a:schemeClr val="accent3">
-                    <a:lumMod val="75000"/>
-                  </a:schemeClr>
-                </a:solidFill>
-                <a:latin typeface="+mj-lt"/>
-              </a:rPr>
-              <a:t> </a:t>
-            </a:r>
-            <a:r>
-              <a:rPr lang="pt-BR" dirty="0" err="1">
-                <a:latin typeface="+mj-lt"/>
-              </a:rPr>
-              <a:t>sqrt</a:t>
-            </a:r>
-            <a:r>
-              <a:rPr lang="pt-BR" dirty="0">
-                <a:latin typeface="+mj-lt"/>
-              </a:rPr>
-              <a:t>(</a:t>
-            </a:r>
-            <a:r>
-              <a:rPr lang="pt-BR" dirty="0" err="1">
-                <a:solidFill>
-                  <a:schemeClr val="accent3">
-                    <a:lumMod val="75000"/>
-                  </a:schemeClr>
-                </a:solidFill>
-                <a:latin typeface="+mj-lt"/>
-              </a:rPr>
-              <a:t>double</a:t>
-            </a:r>
-            <a:r>
-              <a:rPr lang="pt-BR" dirty="0">
-                <a:latin typeface="+mj-lt"/>
-              </a:rPr>
-              <a:t>);</a:t>
-            </a:r>
           </a:p>
         </p:txBody>
       </p:sp>

--- a/Slides/04. Modularidade e Funções.pptx
+++ b/Slides/04. Modularidade e Funções.pptx
@@ -155,7 +155,7 @@
 <file path=ppt/revisionInfo.xml><?xml version="1.0" encoding="utf-8"?>
 <p1510:revInfo xmlns:a="http://schemas.openxmlformats.org/drawingml/2006/main" xmlns:r="http://schemas.openxmlformats.org/officeDocument/2006/relationships" xmlns:p1510="http://schemas.microsoft.com/office/powerpoint/2015/10/main">
   <p1510:revLst>
-    <p1510:client id="{FEFA611F-2B8A-448F-8F9C-1B20E7321775}" v="17" dt="2021-03-09T07:06:50.162"/>
+    <p1510:client id="{FEFA611F-2B8A-448F-8F9C-1B20E7321775}" v="40" dt="2021-03-19T06:20:40.867"/>
   </p1510:revLst>
 </p1510:revInfo>
 </file>
@@ -791,19 +791,19 @@
   </pc:docChgLst>
   <pc:docChgLst>
     <pc:chgData name="Judson Santiago" userId="ebb108da2f256286" providerId="LiveId" clId="{FEFA611F-2B8A-448F-8F9C-1B20E7321775}"/>
-    <pc:docChg chg="undo custSel modSld">
-      <pc:chgData name="Judson Santiago" userId="ebb108da2f256286" providerId="LiveId" clId="{FEFA611F-2B8A-448F-8F9C-1B20E7321775}" dt="2021-03-09T07:13:02.912" v="145" actId="20577"/>
+    <pc:docChg chg="undo custSel modSld modMainMaster">
+      <pc:chgData name="Judson Santiago" userId="ebb108da2f256286" providerId="LiveId" clId="{FEFA611F-2B8A-448F-8F9C-1B20E7321775}" dt="2021-03-19T06:20:40.222" v="186" actId="166"/>
       <pc:docMkLst>
         <pc:docMk/>
       </pc:docMkLst>
       <pc:sldChg chg="modSp mod">
-        <pc:chgData name="Judson Santiago" userId="ebb108da2f256286" providerId="LiveId" clId="{FEFA611F-2B8A-448F-8F9C-1B20E7321775}" dt="2021-03-09T06:44:24.135" v="16" actId="6549"/>
+        <pc:chgData name="Judson Santiago" userId="ebb108da2f256286" providerId="LiveId" clId="{FEFA611F-2B8A-448F-8F9C-1B20E7321775}" dt="2021-03-19T06:20:40.222" v="186" actId="166"/>
         <pc:sldMkLst>
           <pc:docMk/>
           <pc:sldMk cId="0" sldId="256"/>
         </pc:sldMkLst>
-        <pc:spChg chg="mod">
-          <ac:chgData name="Judson Santiago" userId="ebb108da2f256286" providerId="LiveId" clId="{FEFA611F-2B8A-448F-8F9C-1B20E7321775}" dt="2021-03-09T06:44:24.135" v="16" actId="6549"/>
+        <pc:spChg chg="mod ord">
+          <ac:chgData name="Judson Santiago" userId="ebb108da2f256286" providerId="LiveId" clId="{FEFA611F-2B8A-448F-8F9C-1B20E7321775}" dt="2021-03-19T06:20:40.222" v="186" actId="166"/>
           <ac:spMkLst>
             <pc:docMk/>
             <pc:sldMk cId="0" sldId="256"/>
@@ -838,6 +838,21 @@
             <pc:docMk/>
             <pc:sldMk cId="1139789061" sldId="289"/>
             <ac:spMk id="3" creationId="{00000000-0000-0000-0000-000000000000}"/>
+          </ac:spMkLst>
+        </pc:spChg>
+      </pc:sldChg>
+      <pc:sldChg chg="modSp mod">
+        <pc:chgData name="Judson Santiago" userId="ebb108da2f256286" providerId="LiveId" clId="{FEFA611F-2B8A-448F-8F9C-1B20E7321775}" dt="2021-03-19T06:16:46.009" v="184" actId="14100"/>
+        <pc:sldMkLst>
+          <pc:docMk/>
+          <pc:sldMk cId="4113510656" sldId="305"/>
+        </pc:sldMkLst>
+        <pc:spChg chg="mod">
+          <ac:chgData name="Judson Santiago" userId="ebb108da2f256286" providerId="LiveId" clId="{FEFA611F-2B8A-448F-8F9C-1B20E7321775}" dt="2021-03-19T06:16:46.009" v="184" actId="14100"/>
+          <ac:spMkLst>
+            <pc:docMk/>
+            <pc:sldMk cId="4113510656" sldId="305"/>
+            <ac:spMk id="4" creationId="{00000000-0000-0000-0000-000000000000}"/>
           </ac:spMkLst>
         </pc:spChg>
       </pc:sldChg>
@@ -1074,6 +1089,30 @@
           </ac:spMkLst>
         </pc:spChg>
       </pc:sldChg>
+      <pc:sldMasterChg chg="setBg modSldLayout">
+        <pc:chgData name="Judson Santiago" userId="ebb108da2f256286" providerId="LiveId" clId="{FEFA611F-2B8A-448F-8F9C-1B20E7321775}" dt="2021-03-19T06:15:28.845" v="166" actId="167"/>
+        <pc:sldMasterMkLst>
+          <pc:docMk/>
+          <pc:sldMasterMk cId="0" sldId="2147483660"/>
+        </pc:sldMasterMkLst>
+        <pc:sldLayoutChg chg="addSp modSp mod">
+          <pc:chgData name="Judson Santiago" userId="ebb108da2f256286" providerId="LiveId" clId="{FEFA611F-2B8A-448F-8F9C-1B20E7321775}" dt="2021-03-19T06:15:28.845" v="166" actId="167"/>
+          <pc:sldLayoutMkLst>
+            <pc:docMk/>
+            <pc:sldMasterMk cId="0" sldId="2147483660"/>
+            <pc:sldLayoutMk cId="0" sldId="2147483661"/>
+          </pc:sldLayoutMkLst>
+          <pc:picChg chg="add mod ord">
+            <ac:chgData name="Judson Santiago" userId="ebb108da2f256286" providerId="LiveId" clId="{FEFA611F-2B8A-448F-8F9C-1B20E7321775}" dt="2021-03-19T06:15:28.845" v="166" actId="167"/>
+            <ac:picMkLst>
+              <pc:docMk/>
+              <pc:sldMasterMk cId="0" sldId="2147483660"/>
+              <pc:sldLayoutMk cId="0" sldId="2147483661"/>
+              <ac:picMk id="13" creationId="{BAB1F8FE-7868-4007-BE86-9287485896A3}"/>
+            </ac:picMkLst>
+          </pc:picChg>
+        </pc:sldLayoutChg>
+      </pc:sldMasterChg>
     </pc:docChg>
   </pc:docChgLst>
 </pc:chgInfo>
@@ -1162,7 +1201,7 @@
             <a:fld id="{16AEA49D-2535-4933-B734-2986998DA04B}" type="datetimeFigureOut">
               <a:rPr lang="pt-BR" smtClean="0"/>
               <a:pPr/>
-              <a:t>09/03/2021</a:t>
+              <a:t>19/03/2021</a:t>
             </a:fld>
             <a:endParaRPr lang="pt-BR"/>
           </a:p>
@@ -1459,12 +1498,7 @@
             <p:ph type="sldImg"/>
           </p:nvPr>
         </p:nvSpPr>
-        <p:spPr>
-          <a:xfrm>
-            <a:off x="381000" y="685800"/>
-            <a:ext cx="6096000" cy="3429000"/>
-          </a:xfrm>
-        </p:spPr>
+        <p:spPr/>
       </p:sp>
       <p:sp>
         <p:nvSpPr>
@@ -1481,18 +1515,6 @@
           <a:bodyPr/>
           <a:lstStyle/>
           <a:p>
-            <a:r>
-              <a:rPr lang="pt-BR" sz="1200" dirty="0"/>
-              <a:t>Interface da função:</a:t>
-            </a:r>
-            <a:r>
-              <a:rPr lang="pt-BR" sz="1200" baseline="0" dirty="0"/>
-              <a:t> </a:t>
-            </a:r>
-            <a:r>
-              <a:rPr lang="pt-BR" sz="1200" dirty="0"/>
-              <a:t>sabemos o que fornecer e o que esperar como resposta, mesmo sem conhecermos a função.</a:t>
-            </a:r>
             <a:endParaRPr lang="pt-BR" dirty="0"/>
           </a:p>
         </p:txBody>
@@ -1504,7 +1526,7 @@
             <a:spLocks noGrp="1"/>
           </p:cNvSpPr>
           <p:nvPr>
-            <p:ph type="sldNum" sz="quarter" idx="10"/>
+            <p:ph type="sldNum" sz="quarter" idx="5"/>
           </p:nvPr>
         </p:nvSpPr>
         <p:spPr/>
@@ -1515,7 +1537,7 @@
             <a:fld id="{01CBF62C-071B-4891-9B2C-0011DBAD113B}" type="slidenum">
               <a:rPr lang="pt-BR" smtClean="0"/>
               <a:pPr/>
-              <a:t>2</a:t>
+              <a:t>1</a:t>
             </a:fld>
             <a:endParaRPr lang="pt-BR"/>
           </a:p>
@@ -1524,7 +1546,7 @@
     </p:spTree>
     <p:extLst>
       <p:ext uri="{BB962C8B-B14F-4D97-AF65-F5344CB8AC3E}">
-        <p14:creationId xmlns:p14="http://schemas.microsoft.com/office/powerpoint/2010/main" val="1085780976"/>
+        <p14:creationId xmlns:p14="http://schemas.microsoft.com/office/powerpoint/2010/main" val="1947285703"/>
       </p:ext>
     </p:extLst>
   </p:cSld>
@@ -1553,7 +1575,7 @@
       </p:grpSpPr>
       <p:sp>
         <p:nvSpPr>
-          <p:cNvPr id="2" name="Slide Image Placeholder 1"/>
+          <p:cNvPr id="2" name="Espaço Reservado para Imagem de Slide 1"/>
           <p:cNvSpPr>
             <a:spLocks noGrp="1" noRot="1" noChangeAspect="1"/>
           </p:cNvSpPr>
@@ -1561,16 +1583,11 @@
             <p:ph type="sldImg"/>
           </p:nvPr>
         </p:nvSpPr>
-        <p:spPr>
-          <a:xfrm>
-            <a:off x="381000" y="685800"/>
-            <a:ext cx="6096000" cy="3429000"/>
-          </a:xfrm>
-        </p:spPr>
-      </p:sp>
-      <p:sp>
-        <p:nvSpPr>
-          <p:cNvPr id="3" name="Notes Placeholder 2"/>
+        <p:spPr/>
+      </p:sp>
+      <p:sp>
+        <p:nvSpPr>
+          <p:cNvPr id="3" name="Espaço Reservado para Anotações 2"/>
           <p:cNvSpPr>
             <a:spLocks noGrp="1"/>
           </p:cNvSpPr>
@@ -1583,13 +1600,21 @@
           <a:bodyPr/>
           <a:lstStyle/>
           <a:p>
+            <a:r>
+              <a:rPr lang="pt-BR" dirty="0"/>
+              <a:t>O arquivo pré-compilado é ligado ao nosso programa pelo </a:t>
+            </a:r>
+            <a:r>
+              <a:rPr lang="pt-BR" dirty="0" err="1"/>
+              <a:t>linkeditor</a:t>
+            </a:r>
             <a:endParaRPr lang="pt-BR" dirty="0"/>
           </a:p>
         </p:txBody>
       </p:sp>
       <p:sp>
         <p:nvSpPr>
-          <p:cNvPr id="4" name="Slide Number Placeholder 3"/>
+          <p:cNvPr id="4" name="Espaço Reservado para Número de Slide 3"/>
           <p:cNvSpPr>
             <a:spLocks noGrp="1"/>
           </p:cNvSpPr>
@@ -1602,10 +1627,10 @@
           <a:bodyPr/>
           <a:lstStyle/>
           <a:p>
-            <a:fld id="{47D0897C-AACE-4139-A134-924EEA42B6AC}" type="slidenum">
+            <a:fld id="{01CBF62C-071B-4891-9B2C-0011DBAD113B}" type="slidenum">
               <a:rPr lang="pt-BR" smtClean="0"/>
               <a:pPr/>
-              <a:t>19</a:t>
+              <a:t>17</a:t>
             </a:fld>
             <a:endParaRPr lang="pt-BR"/>
           </a:p>
@@ -1614,7 +1639,7 @@
     </p:spTree>
     <p:extLst>
       <p:ext uri="{BB962C8B-B14F-4D97-AF65-F5344CB8AC3E}">
-        <p14:creationId xmlns:p14="http://schemas.microsoft.com/office/powerpoint/2010/main" val="2824017305"/>
+        <p14:creationId xmlns:p14="http://schemas.microsoft.com/office/powerpoint/2010/main" val="1473214194"/>
       </p:ext>
     </p:extLst>
   </p:cSld>
@@ -1695,7 +1720,7 @@
             <a:fld id="{47D0897C-AACE-4139-A134-924EEA42B6AC}" type="slidenum">
               <a:rPr lang="pt-BR" smtClean="0"/>
               <a:pPr/>
-              <a:t>20</a:t>
+              <a:t>19</a:t>
             </a:fld>
             <a:endParaRPr lang="pt-BR"/>
           </a:p>
@@ -1785,7 +1810,7 @@
             <a:fld id="{47D0897C-AACE-4139-A134-924EEA42B6AC}" type="slidenum">
               <a:rPr lang="pt-BR" smtClean="0"/>
               <a:pPr/>
-              <a:t>21</a:t>
+              <a:t>20</a:t>
             </a:fld>
             <a:endParaRPr lang="pt-BR"/>
           </a:p>
@@ -1823,7 +1848,7 @@
       </p:grpSpPr>
       <p:sp>
         <p:nvSpPr>
-          <p:cNvPr id="2" name="Espaço Reservado para Imagem de Slide 1"/>
+          <p:cNvPr id="2" name="Slide Image Placeholder 1"/>
           <p:cNvSpPr>
             <a:spLocks noGrp="1" noRot="1" noChangeAspect="1"/>
           </p:cNvSpPr>
@@ -1840,7 +1865,7 @@
       </p:sp>
       <p:sp>
         <p:nvSpPr>
-          <p:cNvPr id="3" name="Espaço Reservado para Anotações 2"/>
+          <p:cNvPr id="3" name="Notes Placeholder 2"/>
           <p:cNvSpPr>
             <a:spLocks noGrp="1"/>
           </p:cNvSpPr>
@@ -1853,16 +1878,13 @@
           <a:bodyPr/>
           <a:lstStyle/>
           <a:p>
-            <a:r>
-              <a:rPr lang="pt-BR" dirty="0"/>
-              <a:t>A função simples apenas dividiu o programa em blocos.</a:t>
-            </a:r>
-          </a:p>
-        </p:txBody>
-      </p:sp>
-      <p:sp>
-        <p:nvSpPr>
-          <p:cNvPr id="4" name="Espaço Reservado para Número de Slide 3"/>
+            <a:endParaRPr lang="pt-BR" dirty="0"/>
+          </a:p>
+        </p:txBody>
+      </p:sp>
+      <p:sp>
+        <p:nvSpPr>
+          <p:cNvPr id="4" name="Slide Number Placeholder 3"/>
           <p:cNvSpPr>
             <a:spLocks noGrp="1"/>
           </p:cNvSpPr>
@@ -1875,10 +1897,10 @@
           <a:bodyPr/>
           <a:lstStyle/>
           <a:p>
-            <a:fld id="{01CBF62C-071B-4891-9B2C-0011DBAD113B}" type="slidenum">
+            <a:fld id="{47D0897C-AACE-4139-A134-924EEA42B6AC}" type="slidenum">
               <a:rPr lang="pt-BR" smtClean="0"/>
               <a:pPr/>
-              <a:t>22</a:t>
+              <a:t>21</a:t>
             </a:fld>
             <a:endParaRPr lang="pt-BR"/>
           </a:p>
@@ -1887,7 +1909,7 @@
     </p:spTree>
     <p:extLst>
       <p:ext uri="{BB962C8B-B14F-4D97-AF65-F5344CB8AC3E}">
-        <p14:creationId xmlns:p14="http://schemas.microsoft.com/office/powerpoint/2010/main" val="4118265207"/>
+        <p14:creationId xmlns:p14="http://schemas.microsoft.com/office/powerpoint/2010/main" val="2824017305"/>
       </p:ext>
     </p:extLst>
   </p:cSld>
@@ -1924,6 +1946,99 @@
             <p:ph type="sldImg"/>
           </p:nvPr>
         </p:nvSpPr>
+        <p:spPr>
+          <a:xfrm>
+            <a:off x="381000" y="685800"/>
+            <a:ext cx="6096000" cy="3429000"/>
+          </a:xfrm>
+        </p:spPr>
+      </p:sp>
+      <p:sp>
+        <p:nvSpPr>
+          <p:cNvPr id="3" name="Espaço Reservado para Anotações 2"/>
+          <p:cNvSpPr>
+            <a:spLocks noGrp="1"/>
+          </p:cNvSpPr>
+          <p:nvPr>
+            <p:ph type="body" idx="1"/>
+          </p:nvPr>
+        </p:nvSpPr>
+        <p:spPr/>
+        <p:txBody>
+          <a:bodyPr/>
+          <a:lstStyle/>
+          <a:p>
+            <a:r>
+              <a:rPr lang="pt-BR" dirty="0"/>
+              <a:t>A função simples apenas dividiu o programa em blocos.</a:t>
+            </a:r>
+          </a:p>
+        </p:txBody>
+      </p:sp>
+      <p:sp>
+        <p:nvSpPr>
+          <p:cNvPr id="4" name="Espaço Reservado para Número de Slide 3"/>
+          <p:cNvSpPr>
+            <a:spLocks noGrp="1"/>
+          </p:cNvSpPr>
+          <p:nvPr>
+            <p:ph type="sldNum" sz="quarter" idx="10"/>
+          </p:nvPr>
+        </p:nvSpPr>
+        <p:spPr/>
+        <p:txBody>
+          <a:bodyPr/>
+          <a:lstStyle/>
+          <a:p>
+            <a:fld id="{01CBF62C-071B-4891-9B2C-0011DBAD113B}" type="slidenum">
+              <a:rPr lang="pt-BR" smtClean="0"/>
+              <a:pPr/>
+              <a:t>22</a:t>
+            </a:fld>
+            <a:endParaRPr lang="pt-BR"/>
+          </a:p>
+        </p:txBody>
+      </p:sp>
+    </p:spTree>
+    <p:extLst>
+      <p:ext uri="{BB962C8B-B14F-4D97-AF65-F5344CB8AC3E}">
+        <p14:creationId xmlns:p14="http://schemas.microsoft.com/office/powerpoint/2010/main" val="4118265207"/>
+      </p:ext>
+    </p:extLst>
+  </p:cSld>
+  <p:clrMapOvr>
+    <a:masterClrMapping/>
+  </p:clrMapOvr>
+</p:notes>
+</file>
+
+<file path=ppt/notesSlides/notesSlide15.xml><?xml version="1.0" encoding="utf-8"?>
+<p:notes xmlns:a="http://schemas.openxmlformats.org/drawingml/2006/main" xmlns:r="http://schemas.openxmlformats.org/officeDocument/2006/relationships" xmlns:p="http://schemas.openxmlformats.org/presentationml/2006/main">
+  <p:cSld>
+    <p:spTree>
+      <p:nvGrpSpPr>
+        <p:cNvPr id="1" name=""/>
+        <p:cNvGrpSpPr/>
+        <p:nvPr/>
+      </p:nvGrpSpPr>
+      <p:grpSpPr>
+        <a:xfrm>
+          <a:off x="0" y="0"/>
+          <a:ext cx="0" cy="0"/>
+          <a:chOff x="0" y="0"/>
+          <a:chExt cx="0" cy="0"/>
+        </a:xfrm>
+      </p:grpSpPr>
+      <p:sp>
+        <p:nvSpPr>
+          <p:cNvPr id="2" name="Espaço Reservado para Imagem de Slide 1"/>
+          <p:cNvSpPr>
+            <a:spLocks noGrp="1" noRot="1" noChangeAspect="1"/>
+          </p:cNvSpPr>
+          <p:nvPr>
+            <p:ph type="sldImg"/>
+          </p:nvPr>
+        </p:nvSpPr>
         <p:spPr/>
       </p:sp>
       <p:sp>
@@ -2018,7 +2133,7 @@
 </p:notes>
 </file>
 
-<file path=ppt/notesSlides/notesSlide15.xml><?xml version="1.0" encoding="utf-8"?>
+<file path=ppt/notesSlides/notesSlide16.xml><?xml version="1.0" encoding="utf-8"?>
 <p:notes xmlns:a="http://schemas.openxmlformats.org/drawingml/2006/main" xmlns:r="http://schemas.openxmlformats.org/officeDocument/2006/relationships" xmlns:p="http://schemas.openxmlformats.org/presentationml/2006/main">
   <p:cSld>
     <p:spTree>
@@ -2152,51 +2267,19 @@
           <a:bodyPr/>
           <a:lstStyle/>
           <a:p>
-            <a:pPr marL="0" marR="0" lvl="2" indent="0" algn="l" defTabSz="914400" rtl="0" eaLnBrk="1" fontAlgn="auto" latinLnBrk="0" hangingPunct="1">
-              <a:lnSpc>
-                <a:spcPct val="100000"/>
-              </a:lnSpc>
-              <a:spcBef>
-                <a:spcPts val="0"/>
-              </a:spcBef>
-              <a:spcAft>
-                <a:spcPts val="0"/>
-              </a:spcAft>
-              <a:buClrTx/>
-              <a:buSzTx/>
-              <a:buFontTx/>
-              <a:buNone/>
-              <a:tabLst/>
-              <a:defRPr/>
-            </a:pPr>
-            <a:r>
-              <a:rPr lang="pt-BR" dirty="0"/>
-              <a:t>O tipo </a:t>
-            </a:r>
-            <a:r>
-              <a:rPr lang="pt-BR" dirty="0" err="1">
-                <a:solidFill>
-                  <a:schemeClr val="accent3">
-                    <a:lumMod val="75000"/>
-                  </a:schemeClr>
-                </a:solidFill>
-              </a:rPr>
-              <a:t>double</a:t>
-            </a:r>
-            <a:r>
-              <a:rPr lang="pt-BR" dirty="0">
-                <a:solidFill>
-                  <a:schemeClr val="accent3">
-                    <a:lumMod val="75000"/>
-                  </a:schemeClr>
-                </a:solidFill>
-              </a:rPr>
+            <a:r>
+              <a:rPr lang="pt-BR" sz="1200" dirty="0"/>
+              <a:t>Interface da função:</a:t>
+            </a:r>
+            <a:r>
+              <a:rPr lang="pt-BR" sz="1200" baseline="0" dirty="0"/>
               <a:t> </a:t>
             </a:r>
             <a:r>
-              <a:rPr lang="pt-BR" dirty="0"/>
-              <a:t>é equivalente ao conjunto dos Reais.</a:t>
-            </a:r>
+              <a:rPr lang="pt-BR" sz="1200" dirty="0"/>
+              <a:t>sabemos o que fornecer e o que esperar como resposta, mesmo sem conhecermos a função.</a:t>
+            </a:r>
+            <a:endParaRPr lang="pt-BR" dirty="0"/>
           </a:p>
         </p:txBody>
       </p:sp>
@@ -2218,7 +2301,7 @@
             <a:fld id="{01CBF62C-071B-4891-9B2C-0011DBAD113B}" type="slidenum">
               <a:rPr lang="pt-BR" smtClean="0"/>
               <a:pPr/>
-              <a:t>4</a:t>
+              <a:t>2</a:t>
             </a:fld>
             <a:endParaRPr lang="pt-BR"/>
           </a:p>
@@ -2227,7 +2310,7 @@
     </p:spTree>
     <p:extLst>
       <p:ext uri="{BB962C8B-B14F-4D97-AF65-F5344CB8AC3E}">
-        <p14:creationId xmlns:p14="http://schemas.microsoft.com/office/powerpoint/2010/main" val="1024541659"/>
+        <p14:creationId xmlns:p14="http://schemas.microsoft.com/office/powerpoint/2010/main" val="1085780976"/>
       </p:ext>
     </p:extLst>
   </p:cSld>
@@ -2286,39 +2369,51 @@
           <a:bodyPr/>
           <a:lstStyle/>
           <a:p>
+            <a:pPr marL="0" marR="0" lvl="2" indent="0" algn="l" defTabSz="914400" rtl="0" eaLnBrk="1" fontAlgn="auto" latinLnBrk="0" hangingPunct="1">
+              <a:lnSpc>
+                <a:spcPct val="100000"/>
+              </a:lnSpc>
+              <a:spcBef>
+                <a:spcPts val="0"/>
+              </a:spcBef>
+              <a:spcAft>
+                <a:spcPts val="0"/>
+              </a:spcAft>
+              <a:buClrTx/>
+              <a:buSzTx/>
+              <a:buFontTx/>
+              <a:buNone/>
+              <a:tabLst/>
+              <a:defRPr/>
+            </a:pPr>
             <a:r>
               <a:rPr lang="pt-BR" dirty="0"/>
-              <a:t>Esse programa poderia</a:t>
-            </a:r>
-            <a:r>
-              <a:rPr lang="pt-BR" baseline="0" dirty="0"/>
-              <a:t> mostrar o valor de lado sem criar a variável lado, bastaria usar </a:t>
-            </a:r>
-            <a:r>
-              <a:rPr lang="pt-BR" baseline="0" dirty="0" err="1"/>
-              <a:t>sqrt</a:t>
-            </a:r>
-            <a:r>
-              <a:rPr lang="pt-BR" baseline="0" dirty="0"/>
-              <a:t>(</a:t>
-            </a:r>
-            <a:r>
-              <a:rPr lang="pt-BR" baseline="0" dirty="0" err="1"/>
-              <a:t>area</a:t>
-            </a:r>
-            <a:r>
-              <a:rPr lang="pt-BR" baseline="0" dirty="0"/>
-              <a:t>) junto com o </a:t>
-            </a:r>
-            <a:r>
-              <a:rPr lang="pt-BR" baseline="0" dirty="0" err="1"/>
-              <a:t>cout</a:t>
-            </a:r>
-            <a:r>
-              <a:rPr lang="pt-BR" baseline="0" dirty="0"/>
-              <a:t>.</a:t>
-            </a:r>
-            <a:endParaRPr lang="pt-BR" dirty="0"/>
+              <a:t>O tipo </a:t>
+            </a:r>
+            <a:r>
+              <a:rPr lang="pt-BR" dirty="0" err="1">
+                <a:solidFill>
+                  <a:schemeClr val="accent3">
+                    <a:lumMod val="75000"/>
+                  </a:schemeClr>
+                </a:solidFill>
+              </a:rPr>
+              <a:t>double</a:t>
+            </a:r>
+            <a:r>
+              <a:rPr lang="pt-BR" dirty="0">
+                <a:solidFill>
+                  <a:schemeClr val="accent3">
+                    <a:lumMod val="75000"/>
+                  </a:schemeClr>
+                </a:solidFill>
+              </a:rPr>
+              <a:t> </a:t>
+            </a:r>
+            <a:r>
+              <a:rPr lang="pt-BR" dirty="0"/>
+              <a:t>é equivalente ao conjunto dos Reais.</a:t>
+            </a:r>
           </a:p>
         </p:txBody>
       </p:sp>
@@ -2340,7 +2435,7 @@
             <a:fld id="{01CBF62C-071B-4891-9B2C-0011DBAD113B}" type="slidenum">
               <a:rPr lang="pt-BR" smtClean="0"/>
               <a:pPr/>
-              <a:t>5</a:t>
+              <a:t>4</a:t>
             </a:fld>
             <a:endParaRPr lang="pt-BR"/>
           </a:p>
@@ -2349,7 +2444,7 @@
     </p:spTree>
     <p:extLst>
       <p:ext uri="{BB962C8B-B14F-4D97-AF65-F5344CB8AC3E}">
-        <p14:creationId xmlns:p14="http://schemas.microsoft.com/office/powerpoint/2010/main" val="365082815"/>
+        <p14:creationId xmlns:p14="http://schemas.microsoft.com/office/powerpoint/2010/main" val="1024541659"/>
       </p:ext>
     </p:extLst>
   </p:cSld>
@@ -2386,7 +2481,12 @@
             <p:ph type="sldImg"/>
           </p:nvPr>
         </p:nvSpPr>
-        <p:spPr/>
+        <p:spPr>
+          <a:xfrm>
+            <a:off x="381000" y="685800"/>
+            <a:ext cx="6096000" cy="3429000"/>
+          </a:xfrm>
+        </p:spPr>
       </p:sp>
       <p:sp>
         <p:nvSpPr>
@@ -2405,16 +2505,37 @@
           <a:p>
             <a:r>
               <a:rPr lang="pt-BR" dirty="0"/>
-              <a:t>* Esse arquivo não vem com o sistema operacional. Ele é instalado ao se instalar o Visual Studio ou o Visual C++ </a:t>
-            </a:r>
-            <a:r>
-              <a:rPr lang="pt-BR" dirty="0" err="1"/>
-              <a:t>Redistributable</a:t>
-            </a:r>
-            <a:r>
-              <a:rPr lang="pt-BR" dirty="0"/>
-              <a:t>. </a:t>
-            </a:r>
+              <a:t>Esse programa poderia</a:t>
+            </a:r>
+            <a:r>
+              <a:rPr lang="pt-BR" baseline="0" dirty="0"/>
+              <a:t> mostrar o valor de lado sem criar a variável lado, bastaria usar </a:t>
+            </a:r>
+            <a:r>
+              <a:rPr lang="pt-BR" baseline="0" dirty="0" err="1"/>
+              <a:t>sqrt</a:t>
+            </a:r>
+            <a:r>
+              <a:rPr lang="pt-BR" baseline="0" dirty="0"/>
+              <a:t>(</a:t>
+            </a:r>
+            <a:r>
+              <a:rPr lang="pt-BR" baseline="0" dirty="0" err="1"/>
+              <a:t>area</a:t>
+            </a:r>
+            <a:r>
+              <a:rPr lang="pt-BR" baseline="0" dirty="0"/>
+              <a:t>) junto com o </a:t>
+            </a:r>
+            <a:r>
+              <a:rPr lang="pt-BR" baseline="0" dirty="0" err="1"/>
+              <a:t>cout</a:t>
+            </a:r>
+            <a:r>
+              <a:rPr lang="pt-BR" baseline="0" dirty="0"/>
+              <a:t>.</a:t>
+            </a:r>
+            <a:endParaRPr lang="pt-BR" dirty="0"/>
           </a:p>
         </p:txBody>
       </p:sp>
@@ -2436,7 +2557,7 @@
             <a:fld id="{01CBF62C-071B-4891-9B2C-0011DBAD113B}" type="slidenum">
               <a:rPr lang="pt-BR" smtClean="0"/>
               <a:pPr/>
-              <a:t>9</a:t>
+              <a:t>5</a:t>
             </a:fld>
             <a:endParaRPr lang="pt-BR"/>
           </a:p>
@@ -2445,7 +2566,7 @@
     </p:spTree>
     <p:extLst>
       <p:ext uri="{BB962C8B-B14F-4D97-AF65-F5344CB8AC3E}">
-        <p14:creationId xmlns:p14="http://schemas.microsoft.com/office/powerpoint/2010/main" val="1641494910"/>
+        <p14:creationId xmlns:p14="http://schemas.microsoft.com/office/powerpoint/2010/main" val="365082815"/>
       </p:ext>
     </p:extLst>
   </p:cSld>
@@ -2482,12 +2603,7 @@
             <p:ph type="sldImg"/>
           </p:nvPr>
         </p:nvSpPr>
-        <p:spPr>
-          <a:xfrm>
-            <a:off x="381000" y="685800"/>
-            <a:ext cx="6096000" cy="3429000"/>
-          </a:xfrm>
-        </p:spPr>
+        <p:spPr/>
       </p:sp>
       <p:sp>
         <p:nvSpPr>
@@ -2504,7 +2620,18 @@
           <a:bodyPr/>
           <a:lstStyle/>
           <a:p>
-            <a:endParaRPr lang="pt-BR" dirty="0"/>
+            <a:r>
+              <a:rPr lang="pt-BR" dirty="0"/>
+              <a:t>* Esse arquivo não vem com o sistema operacional. Ele é instalado ao se instalar o Visual Studio ou o Visual C++ </a:t>
+            </a:r>
+            <a:r>
+              <a:rPr lang="pt-BR" dirty="0" err="1"/>
+              <a:t>Redistributable</a:t>
+            </a:r>
+            <a:r>
+              <a:rPr lang="pt-BR" dirty="0"/>
+              <a:t>. </a:t>
+            </a:r>
           </a:p>
         </p:txBody>
       </p:sp>
@@ -2526,7 +2653,7 @@
             <a:fld id="{01CBF62C-071B-4891-9B2C-0011DBAD113B}" type="slidenum">
               <a:rPr lang="pt-BR" smtClean="0"/>
               <a:pPr/>
-              <a:t>13</a:t>
+              <a:t>9</a:t>
             </a:fld>
             <a:endParaRPr lang="pt-BR"/>
           </a:p>
@@ -2535,7 +2662,7 @@
     </p:spTree>
     <p:extLst>
       <p:ext uri="{BB962C8B-B14F-4D97-AF65-F5344CB8AC3E}">
-        <p14:creationId xmlns:p14="http://schemas.microsoft.com/office/powerpoint/2010/main" val="881076009"/>
+        <p14:creationId xmlns:p14="http://schemas.microsoft.com/office/powerpoint/2010/main" val="1641494910"/>
       </p:ext>
     </p:extLst>
   </p:cSld>
@@ -2572,7 +2699,12 @@
             <p:ph type="sldImg"/>
           </p:nvPr>
         </p:nvSpPr>
-        <p:spPr/>
+        <p:spPr>
+          <a:xfrm>
+            <a:off x="381000" y="685800"/>
+            <a:ext cx="6096000" cy="3429000"/>
+          </a:xfrm>
+        </p:spPr>
       </p:sp>
       <p:sp>
         <p:nvSpPr>
@@ -2589,10 +2721,7 @@
           <a:bodyPr/>
           <a:lstStyle/>
           <a:p>
-            <a:r>
-              <a:rPr lang="pt-BR" dirty="0"/>
-              <a:t>A importância das funções é tamanha, que um programa C++ é basicamente formado por funções.</a:t>
-            </a:r>
+            <a:endParaRPr lang="pt-BR" dirty="0"/>
           </a:p>
         </p:txBody>
       </p:sp>
@@ -2603,7 +2732,7 @@
             <a:spLocks noGrp="1"/>
           </p:cNvSpPr>
           <p:nvPr>
-            <p:ph type="sldNum" sz="quarter" idx="5"/>
+            <p:ph type="sldNum" sz="quarter" idx="10"/>
           </p:nvPr>
         </p:nvSpPr>
         <p:spPr/>
@@ -2614,7 +2743,7 @@
             <a:fld id="{01CBF62C-071B-4891-9B2C-0011DBAD113B}" type="slidenum">
               <a:rPr lang="pt-BR" smtClean="0"/>
               <a:pPr/>
-              <a:t>14</a:t>
+              <a:t>13</a:t>
             </a:fld>
             <a:endParaRPr lang="pt-BR"/>
           </a:p>
@@ -2623,7 +2752,7 @@
     </p:spTree>
     <p:extLst>
       <p:ext uri="{BB962C8B-B14F-4D97-AF65-F5344CB8AC3E}">
-        <p14:creationId xmlns:p14="http://schemas.microsoft.com/office/powerpoint/2010/main" val="1384010050"/>
+        <p14:creationId xmlns:p14="http://schemas.microsoft.com/office/powerpoint/2010/main" val="881076009"/>
       </p:ext>
     </p:extLst>
   </p:cSld>
@@ -2660,12 +2789,7 @@
             <p:ph type="sldImg"/>
           </p:nvPr>
         </p:nvSpPr>
-        <p:spPr>
-          <a:xfrm>
-            <a:off x="381000" y="685800"/>
-            <a:ext cx="6096000" cy="3429000"/>
-          </a:xfrm>
-        </p:spPr>
+        <p:spPr/>
       </p:sp>
       <p:sp>
         <p:nvSpPr>
@@ -2684,37 +2808,8 @@
           <a:p>
             <a:r>
               <a:rPr lang="pt-BR" dirty="0"/>
-              <a:t>* Na verdade system está na</a:t>
-            </a:r>
-            <a:r>
-              <a:rPr lang="pt-BR" baseline="0" dirty="0"/>
-              <a:t> biblioteca </a:t>
-            </a:r>
-            <a:r>
-              <a:rPr lang="pt-BR" baseline="0" dirty="0" err="1"/>
-              <a:t>stdlib</a:t>
-            </a:r>
-            <a:r>
-              <a:rPr lang="pt-BR" baseline="0" dirty="0"/>
-              <a:t> mas no Visual Studio </a:t>
-            </a:r>
-            <a:r>
-              <a:rPr lang="pt-BR" baseline="0" dirty="0" err="1"/>
-              <a:t>iostream</a:t>
-            </a:r>
-            <a:r>
-              <a:rPr lang="pt-BR" baseline="0" dirty="0"/>
-              <a:t> já inclui </a:t>
-            </a:r>
-            <a:r>
-              <a:rPr lang="pt-BR" baseline="0" dirty="0" err="1"/>
-              <a:t>stdlib</a:t>
-            </a:r>
-            <a:r>
-              <a:rPr lang="pt-BR" baseline="0" dirty="0"/>
-              <a:t>. No Linux é preciso incluir a biblioteca separadamente.</a:t>
-            </a:r>
-            <a:endParaRPr lang="pt-BR" dirty="0"/>
+              <a:t>A importância das funções é tamanha, que um programa C++ é basicamente formado por funções.</a:t>
+            </a:r>
           </a:p>
         </p:txBody>
       </p:sp>
@@ -2725,7 +2820,7 @@
             <a:spLocks noGrp="1"/>
           </p:cNvSpPr>
           <p:nvPr>
-            <p:ph type="sldNum" sz="quarter" idx="10"/>
+            <p:ph type="sldNum" sz="quarter" idx="5"/>
           </p:nvPr>
         </p:nvSpPr>
         <p:spPr/>
@@ -2736,7 +2831,7 @@
             <a:fld id="{01CBF62C-071B-4891-9B2C-0011DBAD113B}" type="slidenum">
               <a:rPr lang="pt-BR" smtClean="0"/>
               <a:pPr/>
-              <a:t>15</a:t>
+              <a:t>14</a:t>
             </a:fld>
             <a:endParaRPr lang="pt-BR"/>
           </a:p>
@@ -2745,7 +2840,7 @@
     </p:spTree>
     <p:extLst>
       <p:ext uri="{BB962C8B-B14F-4D97-AF65-F5344CB8AC3E}">
-        <p14:creationId xmlns:p14="http://schemas.microsoft.com/office/powerpoint/2010/main" val="3800494090"/>
+        <p14:creationId xmlns:p14="http://schemas.microsoft.com/office/powerpoint/2010/main" val="1384010050"/>
       </p:ext>
     </p:extLst>
   </p:cSld>
@@ -2806,19 +2901,35 @@
           <a:p>
             <a:r>
               <a:rPr lang="pt-BR" dirty="0"/>
-              <a:t>Vimos</a:t>
+              <a:t>* Na verdade system está na</a:t>
             </a:r>
             <a:r>
               <a:rPr lang="pt-BR" baseline="0" dirty="0"/>
-              <a:t> o exemplo com a função </a:t>
+              <a:t> biblioteca </a:t>
             </a:r>
             <a:r>
               <a:rPr lang="pt-BR" baseline="0" dirty="0" err="1"/>
-              <a:t>sqrt</a:t>
+              <a:t>stdlib</a:t>
             </a:r>
             <a:r>
               <a:rPr lang="pt-BR" baseline="0" dirty="0"/>
-              <a:t> e system, mas de forma geral para se usar uma função são necessárias 3 coisas: protótipo, definição e chamada.</a:t>
+              <a:t> mas no Visual Studio </a:t>
+            </a:r>
+            <a:r>
+              <a:rPr lang="pt-BR" baseline="0" dirty="0" err="1"/>
+              <a:t>iostream</a:t>
+            </a:r>
+            <a:r>
+              <a:rPr lang="pt-BR" baseline="0" dirty="0"/>
+              <a:t> já inclui </a:t>
+            </a:r>
+            <a:r>
+              <a:rPr lang="pt-BR" baseline="0" dirty="0" err="1"/>
+              <a:t>stdlib</a:t>
+            </a:r>
+            <a:r>
+              <a:rPr lang="pt-BR" baseline="0" dirty="0"/>
+              <a:t>. No Linux é preciso incluir a biblioteca separadamente.</a:t>
             </a:r>
             <a:endParaRPr lang="pt-BR" dirty="0"/>
           </a:p>
@@ -2842,7 +2953,7 @@
             <a:fld id="{01CBF62C-071B-4891-9B2C-0011DBAD113B}" type="slidenum">
               <a:rPr lang="pt-BR" smtClean="0"/>
               <a:pPr/>
-              <a:t>16</a:t>
+              <a:t>15</a:t>
             </a:fld>
             <a:endParaRPr lang="pt-BR"/>
           </a:p>
@@ -2851,7 +2962,7 @@
     </p:spTree>
     <p:extLst>
       <p:ext uri="{BB962C8B-B14F-4D97-AF65-F5344CB8AC3E}">
-        <p14:creationId xmlns:p14="http://schemas.microsoft.com/office/powerpoint/2010/main" val="3301479988"/>
+        <p14:creationId xmlns:p14="http://schemas.microsoft.com/office/powerpoint/2010/main" val="3800494090"/>
       </p:ext>
     </p:extLst>
   </p:cSld>
@@ -2888,7 +2999,12 @@
             <p:ph type="sldImg"/>
           </p:nvPr>
         </p:nvSpPr>
-        <p:spPr/>
+        <p:spPr>
+          <a:xfrm>
+            <a:off x="381000" y="685800"/>
+            <a:ext cx="6096000" cy="3429000"/>
+          </a:xfrm>
+        </p:spPr>
       </p:sp>
       <p:sp>
         <p:nvSpPr>
@@ -2907,11 +3023,19 @@
           <a:p>
             <a:r>
               <a:rPr lang="pt-BR" dirty="0"/>
-              <a:t>O arquivo pré-compilado é ligado ao nosso programa pelo </a:t>
-            </a:r>
-            <a:r>
-              <a:rPr lang="pt-BR" dirty="0" err="1"/>
-              <a:t>linkeditor</a:t>
+              <a:t>Vimos</a:t>
+            </a:r>
+            <a:r>
+              <a:rPr lang="pt-BR" baseline="0" dirty="0"/>
+              <a:t> o exemplo com a função </a:t>
+            </a:r>
+            <a:r>
+              <a:rPr lang="pt-BR" baseline="0" dirty="0" err="1"/>
+              <a:t>sqrt</a:t>
+            </a:r>
+            <a:r>
+              <a:rPr lang="pt-BR" baseline="0" dirty="0"/>
+              <a:t> e system, mas de forma geral para se usar uma função são necessárias 3 coisas: protótipo, definição e chamada.</a:t>
             </a:r>
             <a:endParaRPr lang="pt-BR" dirty="0"/>
           </a:p>
@@ -2935,7 +3059,7 @@
             <a:fld id="{01CBF62C-071B-4891-9B2C-0011DBAD113B}" type="slidenum">
               <a:rPr lang="pt-BR" smtClean="0"/>
               <a:pPr/>
-              <a:t>17</a:t>
+              <a:t>16</a:t>
             </a:fld>
             <a:endParaRPr lang="pt-BR"/>
           </a:p>
@@ -2944,7 +3068,7 @@
     </p:spTree>
     <p:extLst>
       <p:ext uri="{BB962C8B-B14F-4D97-AF65-F5344CB8AC3E}">
-        <p14:creationId xmlns:p14="http://schemas.microsoft.com/office/powerpoint/2010/main" val="1473214194"/>
+        <p14:creationId xmlns:p14="http://schemas.microsoft.com/office/powerpoint/2010/main" val="3301479988"/>
       </p:ext>
     </p:extLst>
   </p:cSld>
@@ -2971,6 +3095,37 @@
           <a:chExt cx="0" cy="0"/>
         </a:xfrm>
       </p:grpSpPr>
+      <p:pic>
+        <p:nvPicPr>
+          <p:cNvPr id="13" name="Picture 3" descr="Rede de tecnologia iluminada em uma tela de fundo escura">
+            <a:extLst>
+              <a:ext uri="{FF2B5EF4-FFF2-40B4-BE49-F238E27FC236}">
+                <a16:creationId xmlns:a16="http://schemas.microsoft.com/office/drawing/2014/main" id="{BAB1F8FE-7868-4007-BE86-9287485896A3}"/>
+              </a:ext>
+            </a:extLst>
+          </p:cNvPr>
+          <p:cNvPicPr>
+            <a:picLocks noChangeAspect="1"/>
+          </p:cNvPicPr>
+          <p:nvPr userDrawn="1"/>
+        </p:nvPicPr>
+        <p:blipFill rotWithShape="1">
+          <a:blip r:embed="rId2">
+            <a:alphaModFix amt="30000"/>
+          </a:blip>
+          <a:srcRect t="22329"/>
+          <a:stretch/>
+        </p:blipFill>
+        <p:spPr>
+          <a:xfrm flipH="1" flipV="1">
+            <a:off x="487680" y="0"/>
+            <a:ext cx="11704320" cy="6858000"/>
+          </a:xfrm>
+          <a:prstGeom prst="rect">
+            <a:avLst/>
+          </a:prstGeom>
+        </p:spPr>
+      </p:pic>
       <p:sp>
         <p:nvSpPr>
           <p:cNvPr id="28" name="Espaço Reservado para Data 27"/>
@@ -2989,7 +3144,7 @@
             <a:fld id="{10D83AF5-3A59-46F5-8FEC-BB3944BF9F51}" type="datetimeFigureOut">
               <a:rPr lang="pt-BR" smtClean="0"/>
               <a:pPr/>
-              <a:t>09/03/2021</a:t>
+              <a:t>19/03/2021</a:t>
             </a:fld>
             <a:endParaRPr lang="pt-BR"/>
           </a:p>
@@ -3544,7 +3699,7 @@
             <a:fld id="{10D83AF5-3A59-46F5-8FEC-BB3944BF9F51}" type="datetimeFigureOut">
               <a:rPr lang="pt-BR" smtClean="0"/>
               <a:pPr/>
-              <a:t>09/03/2021</a:t>
+              <a:t>19/03/2021</a:t>
             </a:fld>
             <a:endParaRPr lang="pt-BR"/>
           </a:p>
@@ -3721,7 +3876,7 @@
             <a:fld id="{10D83AF5-3A59-46F5-8FEC-BB3944BF9F51}" type="datetimeFigureOut">
               <a:rPr lang="pt-BR" smtClean="0"/>
               <a:pPr/>
-              <a:t>09/03/2021</a:t>
+              <a:t>19/03/2021</a:t>
             </a:fld>
             <a:endParaRPr lang="pt-BR"/>
           </a:p>
@@ -3888,7 +4043,7 @@
             <a:fld id="{10D83AF5-3A59-46F5-8FEC-BB3944BF9F51}" type="datetimeFigureOut">
               <a:rPr lang="pt-BR" smtClean="0"/>
               <a:pPr/>
-              <a:t>09/03/2021</a:t>
+              <a:t>19/03/2021</a:t>
             </a:fld>
             <a:endParaRPr lang="pt-BR"/>
           </a:p>
@@ -5337,7 +5492,7 @@
             <a:fld id="{10D83AF5-3A59-46F5-8FEC-BB3944BF9F51}" type="datetimeFigureOut">
               <a:rPr lang="pt-BR" smtClean="0"/>
               <a:pPr/>
-              <a:t>09/03/2021</a:t>
+              <a:t>19/03/2021</a:t>
             </a:fld>
             <a:endParaRPr lang="pt-BR"/>
           </a:p>
@@ -5919,7 +6074,7 @@
             <a:fld id="{10D83AF5-3A59-46F5-8FEC-BB3944BF9F51}" type="datetimeFigureOut">
               <a:rPr lang="pt-BR" smtClean="0"/>
               <a:pPr/>
-              <a:t>09/03/2021</a:t>
+              <a:t>19/03/2021</a:t>
             </a:fld>
             <a:endParaRPr lang="pt-BR"/>
           </a:p>
@@ -6350,7 +6505,7 @@
             <a:fld id="{10D83AF5-3A59-46F5-8FEC-BB3944BF9F51}" type="datetimeFigureOut">
               <a:rPr lang="pt-BR" smtClean="0"/>
               <a:pPr/>
-              <a:t>09/03/2021</a:t>
+              <a:t>19/03/2021</a:t>
             </a:fld>
             <a:endParaRPr lang="pt-BR"/>
           </a:p>
@@ -6889,7 +7044,7 @@
             <a:fld id="{10D83AF5-3A59-46F5-8FEC-BB3944BF9F51}" type="datetimeFigureOut">
               <a:rPr lang="pt-BR" smtClean="0"/>
               <a:pPr/>
-              <a:t>09/03/2021</a:t>
+              <a:t>19/03/2021</a:t>
             </a:fld>
             <a:endParaRPr lang="pt-BR"/>
           </a:p>
@@ -6981,7 +7136,7 @@
             <a:fld id="{10D83AF5-3A59-46F5-8FEC-BB3944BF9F51}" type="datetimeFigureOut">
               <a:rPr lang="pt-BR" smtClean="0"/>
               <a:pPr/>
-              <a:t>09/03/2021</a:t>
+              <a:t>19/03/2021</a:t>
             </a:fld>
             <a:endParaRPr lang="pt-BR"/>
           </a:p>
@@ -7231,7 +7386,7 @@
             <a:fld id="{10D83AF5-3A59-46F5-8FEC-BB3944BF9F51}" type="datetimeFigureOut">
               <a:rPr lang="pt-BR" smtClean="0"/>
               <a:pPr/>
-              <a:t>09/03/2021</a:t>
+              <a:t>19/03/2021</a:t>
             </a:fld>
             <a:endParaRPr lang="pt-BR"/>
           </a:p>
@@ -7946,7 +8101,7 @@
             <a:fld id="{10D83AF5-3A59-46F5-8FEC-BB3944BF9F51}" type="datetimeFigureOut">
               <a:rPr lang="pt-BR" smtClean="0"/>
               <a:pPr/>
-              <a:t>09/03/2021</a:t>
+              <a:t>19/03/2021</a:t>
             </a:fld>
             <a:endParaRPr lang="pt-BR"/>
           </a:p>
@@ -8017,9 +8172,23 @@
 <p:sldMaster xmlns:a="http://schemas.openxmlformats.org/drawingml/2006/main" xmlns:r="http://schemas.openxmlformats.org/officeDocument/2006/relationships" xmlns:p="http://schemas.openxmlformats.org/presentationml/2006/main">
   <p:cSld>
     <p:bg>
-      <p:bgRef idx="1002">
-        <a:schemeClr val="bg2"/>
-      </p:bgRef>
+      <p:bgPr>
+        <a:gradFill rotWithShape="1">
+          <a:gsLst>
+            <a:gs pos="52000">
+              <a:schemeClr val="bg1">
+                <a:shade val="90000"/>
+                <a:satMod val="375000"/>
+              </a:schemeClr>
+            </a:gs>
+            <a:gs pos="100000">
+              <a:srgbClr val="28415E"/>
+            </a:gs>
+          </a:gsLst>
+          <a:lin ang="5400000" scaled="0"/>
+        </a:gradFill>
+        <a:effectLst/>
+      </p:bgPr>
     </p:bg>
     <p:spTree>
       <p:nvGrpSpPr>
@@ -8213,7 +8382,7 @@
             <a:fld id="{10D83AF5-3A59-46F5-8FEC-BB3944BF9F51}" type="datetimeFigureOut">
               <a:rPr lang="pt-BR" smtClean="0"/>
               <a:pPr/>
-              <a:t>09/03/2021</a:t>
+              <a:t>19/03/2021</a:t>
             </a:fld>
             <a:endParaRPr lang="pt-BR"/>
           </a:p>
@@ -8822,7 +8991,7 @@
           <a:p>
             <a:r>
               <a:rPr lang="pt-BR" dirty="0"/>
-              <a:t>Funções</a:t>
+              <a:t>Modularidade e Funções</a:t>
             </a:r>
           </a:p>
         </p:txBody>
@@ -8951,14 +9120,14 @@
         </p:nvSpPr>
         <p:spPr>
           <a:xfrm>
-            <a:off x="4452211" y="3011443"/>
-            <a:ext cx="2428892" cy="714380"/>
+            <a:off x="4450932" y="3011443"/>
+            <a:ext cx="2509163" cy="714380"/>
           </a:xfrm>
           <a:prstGeom prst="rect">
             <a:avLst/>
           </a:prstGeom>
           <a:solidFill>
-            <a:schemeClr val="bg2">
+            <a:schemeClr val="accent3">
               <a:lumMod val="50000"/>
             </a:schemeClr>
           </a:solidFill>
@@ -14469,8 +14638,8 @@
           </a:p>
         </p:txBody>
       </p:sp>
-      <mc:AlternateContent xmlns:mc="http://schemas.openxmlformats.org/markup-compatibility/2006">
-        <mc:Choice xmlns:a14="http://schemas.microsoft.com/office/drawing/2010/main" Requires="a14">
+      <mc:AlternateContent xmlns:mc="http://schemas.openxmlformats.org/markup-compatibility/2006" xmlns:a14="http://schemas.microsoft.com/office/drawing/2010/main">
+        <mc:Choice Requires="a14">
           <p:sp>
             <p:nvSpPr>
               <p:cNvPr id="4" name="CaixaDeTexto 3"/>
@@ -14598,7 +14767,7 @@
             </p:txBody>
           </p:sp>
         </mc:Choice>
-        <mc:Fallback>
+        <mc:Fallback xmlns="">
           <p:sp>
             <p:nvSpPr>
               <p:cNvPr id="4" name="CaixaDeTexto 3"/>
